--- a/Homework/ch 3 turtles.pptx
+++ b/Homework/ch 3 turtles.pptx
@@ -11,26 +11,27 @@
     <p:sldId id="259" r:id="rId5"/>
     <p:sldId id="260" r:id="rId6"/>
     <p:sldId id="288" r:id="rId7"/>
-    <p:sldId id="261" r:id="rId8"/>
-    <p:sldId id="262" r:id="rId9"/>
-    <p:sldId id="263" r:id="rId10"/>
-    <p:sldId id="264" r:id="rId11"/>
-    <p:sldId id="265" r:id="rId12"/>
-    <p:sldId id="266" r:id="rId13"/>
-    <p:sldId id="267" r:id="rId14"/>
-    <p:sldId id="268" r:id="rId15"/>
-    <p:sldId id="283" r:id="rId16"/>
-    <p:sldId id="289" r:id="rId17"/>
-    <p:sldId id="269" r:id="rId18"/>
-    <p:sldId id="290" r:id="rId19"/>
-    <p:sldId id="270" r:id="rId20"/>
-    <p:sldId id="271" r:id="rId21"/>
-    <p:sldId id="273" r:id="rId22"/>
-    <p:sldId id="272" r:id="rId23"/>
-    <p:sldId id="285" r:id="rId24"/>
-    <p:sldId id="286" r:id="rId25"/>
-    <p:sldId id="287" r:id="rId26"/>
-    <p:sldId id="274" r:id="rId27"/>
+    <p:sldId id="291" r:id="rId8"/>
+    <p:sldId id="261" r:id="rId9"/>
+    <p:sldId id="262" r:id="rId10"/>
+    <p:sldId id="263" r:id="rId11"/>
+    <p:sldId id="264" r:id="rId12"/>
+    <p:sldId id="265" r:id="rId13"/>
+    <p:sldId id="266" r:id="rId14"/>
+    <p:sldId id="267" r:id="rId15"/>
+    <p:sldId id="268" r:id="rId16"/>
+    <p:sldId id="283" r:id="rId17"/>
+    <p:sldId id="289" r:id="rId18"/>
+    <p:sldId id="269" r:id="rId19"/>
+    <p:sldId id="290" r:id="rId20"/>
+    <p:sldId id="270" r:id="rId21"/>
+    <p:sldId id="271" r:id="rId22"/>
+    <p:sldId id="273" r:id="rId23"/>
+    <p:sldId id="272" r:id="rId24"/>
+    <p:sldId id="285" r:id="rId25"/>
+    <p:sldId id="286" r:id="rId26"/>
+    <p:sldId id="287" r:id="rId27"/>
+    <p:sldId id="274" r:id="rId28"/>
   </p:sldIdLst>
   <p:sldSz cx="6858000" cy="9144000" type="screen4x3"/>
   <p:notesSz cx="6858000" cy="9144000"/>
@@ -268,7 +269,7 @@
           <a:p>
             <a:fld id="{A27AE591-6BE5-487A-98ED-3478482A8C4C}" type="datetimeFigureOut">
               <a:rPr lang="en-US" smtClean="0"/>
-              <a:t>4/8/2019</a:t>
+              <a:t>4/10/2019</a:t>
             </a:fld>
             <a:endParaRPr lang="en-US"/>
           </a:p>
@@ -438,7 +439,7 @@
           <a:p>
             <a:fld id="{A27AE591-6BE5-487A-98ED-3478482A8C4C}" type="datetimeFigureOut">
               <a:rPr lang="en-US" smtClean="0"/>
-              <a:t>4/8/2019</a:t>
+              <a:t>4/10/2019</a:t>
             </a:fld>
             <a:endParaRPr lang="en-US"/>
           </a:p>
@@ -618,7 +619,7 @@
           <a:p>
             <a:fld id="{A27AE591-6BE5-487A-98ED-3478482A8C4C}" type="datetimeFigureOut">
               <a:rPr lang="en-US" smtClean="0"/>
-              <a:t>4/8/2019</a:t>
+              <a:t>4/10/2019</a:t>
             </a:fld>
             <a:endParaRPr lang="en-US"/>
           </a:p>
@@ -788,7 +789,7 @@
           <a:p>
             <a:fld id="{A27AE591-6BE5-487A-98ED-3478482A8C4C}" type="datetimeFigureOut">
               <a:rPr lang="en-US" smtClean="0"/>
-              <a:t>4/8/2019</a:t>
+              <a:t>4/10/2019</a:t>
             </a:fld>
             <a:endParaRPr lang="en-US"/>
           </a:p>
@@ -1032,7 +1033,7 @@
           <a:p>
             <a:fld id="{A27AE591-6BE5-487A-98ED-3478482A8C4C}" type="datetimeFigureOut">
               <a:rPr lang="en-US" smtClean="0"/>
-              <a:t>4/8/2019</a:t>
+              <a:t>4/10/2019</a:t>
             </a:fld>
             <a:endParaRPr lang="en-US"/>
           </a:p>
@@ -1264,7 +1265,7 @@
           <a:p>
             <a:fld id="{A27AE591-6BE5-487A-98ED-3478482A8C4C}" type="datetimeFigureOut">
               <a:rPr lang="en-US" smtClean="0"/>
-              <a:t>4/8/2019</a:t>
+              <a:t>4/10/2019</a:t>
             </a:fld>
             <a:endParaRPr lang="en-US"/>
           </a:p>
@@ -1631,7 +1632,7 @@
           <a:p>
             <a:fld id="{A27AE591-6BE5-487A-98ED-3478482A8C4C}" type="datetimeFigureOut">
               <a:rPr lang="en-US" smtClean="0"/>
-              <a:t>4/8/2019</a:t>
+              <a:t>4/10/2019</a:t>
             </a:fld>
             <a:endParaRPr lang="en-US"/>
           </a:p>
@@ -1749,7 +1750,7 @@
           <a:p>
             <a:fld id="{A27AE591-6BE5-487A-98ED-3478482A8C4C}" type="datetimeFigureOut">
               <a:rPr lang="en-US" smtClean="0"/>
-              <a:t>4/8/2019</a:t>
+              <a:t>4/10/2019</a:t>
             </a:fld>
             <a:endParaRPr lang="en-US"/>
           </a:p>
@@ -1844,7 +1845,7 @@
           <a:p>
             <a:fld id="{A27AE591-6BE5-487A-98ED-3478482A8C4C}" type="datetimeFigureOut">
               <a:rPr lang="en-US" smtClean="0"/>
-              <a:t>4/8/2019</a:t>
+              <a:t>4/10/2019</a:t>
             </a:fld>
             <a:endParaRPr lang="en-US"/>
           </a:p>
@@ -2121,7 +2122,7 @@
           <a:p>
             <a:fld id="{A27AE591-6BE5-487A-98ED-3478482A8C4C}" type="datetimeFigureOut">
               <a:rPr lang="en-US" smtClean="0"/>
-              <a:t>4/8/2019</a:t>
+              <a:t>4/10/2019</a:t>
             </a:fld>
             <a:endParaRPr lang="en-US"/>
           </a:p>
@@ -2378,7 +2379,7 @@
           <a:p>
             <a:fld id="{A27AE591-6BE5-487A-98ED-3478482A8C4C}" type="datetimeFigureOut">
               <a:rPr lang="en-US" smtClean="0"/>
-              <a:t>4/8/2019</a:t>
+              <a:t>4/10/2019</a:t>
             </a:fld>
             <a:endParaRPr lang="en-US"/>
           </a:p>
@@ -2591,7 +2592,7 @@
           <a:p>
             <a:fld id="{A27AE591-6BE5-487A-98ED-3478482A8C4C}" type="datetimeFigureOut">
               <a:rPr lang="en-US" smtClean="0"/>
-              <a:t>4/8/2019</a:t>
+              <a:t>4/10/2019</a:t>
             </a:fld>
             <a:endParaRPr lang="en-US"/>
           </a:p>
@@ -3019,7 +3020,7 @@
         </p:blipFill>
         <p:spPr bwMode="auto">
           <a:xfrm>
-            <a:off x="155575" y="262557"/>
+            <a:off x="155575" y="230660"/>
             <a:ext cx="6745599" cy="7207626"/>
           </a:xfrm>
           <a:prstGeom prst="rect">
@@ -3051,6 +3052,77 @@
 </file>
 
 <file path=ppt/slides/slide10.xml><?xml version="1.0" encoding="utf-8"?>
+<p:sld xmlns:a="http://schemas.openxmlformats.org/drawingml/2006/main" xmlns:r="http://schemas.openxmlformats.org/officeDocument/2006/relationships" xmlns:p="http://schemas.openxmlformats.org/presentationml/2006/main">
+  <p:cSld>
+    <p:spTree>
+      <p:nvGrpSpPr>
+        <p:cNvPr id="1" name=""/>
+        <p:cNvGrpSpPr/>
+        <p:nvPr/>
+      </p:nvGrpSpPr>
+      <p:grpSpPr>
+        <a:xfrm>
+          <a:off x="0" y="0"/>
+          <a:ext cx="0" cy="0"/>
+          <a:chOff x="0" y="0"/>
+          <a:chExt cx="0" cy="0"/>
+        </a:xfrm>
+      </p:grpSpPr>
+      <p:pic>
+        <p:nvPicPr>
+          <p:cNvPr id="5122" name="Picture 2" descr="C:\Users\cwellman\AppData\Roaming\PixelMetrics\CaptureWiz\Temp\45.png"/>
+          <p:cNvPicPr>
+            <a:picLocks noChangeAspect="1" noChangeArrowheads="1"/>
+          </p:cNvPicPr>
+          <p:nvPr/>
+        </p:nvPicPr>
+        <p:blipFill>
+          <a:blip r:embed="rId2">
+            <a:extLst>
+              <a:ext uri="{28A0092B-C50C-407E-A947-70E740481C1C}">
+                <a14:useLocalDpi xmlns:a14="http://schemas.microsoft.com/office/drawing/2010/main" val="0"/>
+              </a:ext>
+            </a:extLst>
+          </a:blip>
+          <a:srcRect/>
+          <a:stretch>
+            <a:fillRect/>
+          </a:stretch>
+        </p:blipFill>
+        <p:spPr bwMode="auto">
+          <a:xfrm>
+            <a:off x="140076" y="0"/>
+            <a:ext cx="5904263" cy="8850897"/>
+          </a:xfrm>
+          <a:prstGeom prst="rect">
+            <a:avLst/>
+          </a:prstGeom>
+          <a:noFill/>
+          <a:extLst>
+            <a:ext uri="{909E8E84-426E-40DD-AFC4-6F175D3DCCD1}">
+              <a14:hiddenFill xmlns:a14="http://schemas.microsoft.com/office/drawing/2010/main">
+                <a:solidFill>
+                  <a:srgbClr val="FFFFFF"/>
+                </a:solidFill>
+              </a14:hiddenFill>
+            </a:ext>
+          </a:extLst>
+        </p:spPr>
+      </p:pic>
+    </p:spTree>
+    <p:extLst>
+      <p:ext uri="{BB962C8B-B14F-4D97-AF65-F5344CB8AC3E}">
+        <p14:creationId xmlns:p14="http://schemas.microsoft.com/office/powerpoint/2010/main" val="2494887405"/>
+      </p:ext>
+    </p:extLst>
+  </p:cSld>
+  <p:clrMapOvr>
+    <a:masterClrMapping/>
+  </p:clrMapOvr>
+</p:sld>
+</file>
+
+<file path=ppt/slides/slide11.xml><?xml version="1.0" encoding="utf-8"?>
 <p:sld xmlns:a="http://schemas.openxmlformats.org/drawingml/2006/main" xmlns:r="http://schemas.openxmlformats.org/officeDocument/2006/relationships" xmlns:p="http://schemas.openxmlformats.org/presentationml/2006/main">
   <p:cSld>
     <p:spTree>
@@ -3121,7 +3193,7 @@
 </p:sld>
 </file>
 
-<file path=ppt/slides/slide11.xml><?xml version="1.0" encoding="utf-8"?>
+<file path=ppt/slides/slide12.xml><?xml version="1.0" encoding="utf-8"?>
 <p:sld xmlns:a="http://schemas.openxmlformats.org/drawingml/2006/main" xmlns:r="http://schemas.openxmlformats.org/officeDocument/2006/relationships" xmlns:p="http://schemas.openxmlformats.org/presentationml/2006/main">
   <p:cSld>
     <p:spTree>
@@ -3226,7 +3298,7 @@
 </p:sld>
 </file>
 
-<file path=ppt/slides/slide12.xml><?xml version="1.0" encoding="utf-8"?>
+<file path=ppt/slides/slide13.xml><?xml version="1.0" encoding="utf-8"?>
 <p:sld xmlns:a="http://schemas.openxmlformats.org/drawingml/2006/main" xmlns:r="http://schemas.openxmlformats.org/officeDocument/2006/relationships" xmlns:p="http://schemas.openxmlformats.org/presentationml/2006/main">
   <p:cSld>
     <p:spTree>
@@ -3297,7 +3369,7 @@
 </p:sld>
 </file>
 
-<file path=ppt/slides/slide13.xml><?xml version="1.0" encoding="utf-8"?>
+<file path=ppt/slides/slide14.xml><?xml version="1.0" encoding="utf-8"?>
 <p:sld xmlns:a="http://schemas.openxmlformats.org/drawingml/2006/main" xmlns:r="http://schemas.openxmlformats.org/officeDocument/2006/relationships" xmlns:p="http://schemas.openxmlformats.org/presentationml/2006/main">
   <p:cSld>
     <p:spTree>
@@ -3368,339 +3440,6 @@
 </p:sld>
 </file>
 
-<file path=ppt/slides/slide14.xml><?xml version="1.0" encoding="utf-8"?>
-<p:sld xmlns:a="http://schemas.openxmlformats.org/drawingml/2006/main" xmlns:r="http://schemas.openxmlformats.org/officeDocument/2006/relationships" xmlns:p="http://schemas.openxmlformats.org/presentationml/2006/main">
-  <p:cSld>
-    <p:spTree>
-      <p:nvGrpSpPr>
-        <p:cNvPr id="1" name=""/>
-        <p:cNvGrpSpPr/>
-        <p:nvPr/>
-      </p:nvGrpSpPr>
-      <p:grpSpPr>
-        <a:xfrm>
-          <a:off x="0" y="0"/>
-          <a:ext cx="0" cy="0"/>
-          <a:chOff x="0" y="0"/>
-          <a:chExt cx="0" cy="0"/>
-        </a:xfrm>
-      </p:grpSpPr>
-      <p:sp>
-        <p:nvSpPr>
-          <p:cNvPr id="2" name="TextBox 1"/>
-          <p:cNvSpPr txBox="1"/>
-          <p:nvPr/>
-        </p:nvSpPr>
-        <p:spPr>
-          <a:xfrm>
-            <a:off x="573438" y="743918"/>
-            <a:ext cx="5337743" cy="7017306"/>
-          </a:xfrm>
-          <a:prstGeom prst="rect">
-            <a:avLst/>
-          </a:prstGeom>
-          <a:noFill/>
-        </p:spPr>
-        <p:txBody>
-          <a:bodyPr wrap="none" rtlCol="0">
-            <a:spAutoFit/>
-          </a:bodyPr>
-          <a:lstStyle/>
-          <a:p>
-            <a:r>
-              <a:rPr lang="en-US" b="1" dirty="0"/>
-              <a:t>for </a:t>
-            </a:r>
-            <a:r>
-              <a:rPr lang="en-US" dirty="0" err="1"/>
-              <a:t>i</a:t>
-            </a:r>
-            <a:r>
-              <a:rPr lang="en-US" dirty="0"/>
-              <a:t> </a:t>
-            </a:r>
-            <a:r>
-              <a:rPr lang="en-US" b="1" dirty="0"/>
-              <a:t>in </a:t>
-            </a:r>
-            <a:r>
-              <a:rPr lang="en-US" dirty="0"/>
-              <a:t>range(4):</a:t>
-            </a:r>
-          </a:p>
-          <a:p>
-            <a:r>
-              <a:rPr lang="en-US" dirty="0"/>
-              <a:t>    # Executes the body with </a:t>
-            </a:r>
-            <a:r>
-              <a:rPr lang="en-US" dirty="0" err="1"/>
-              <a:t>i</a:t>
-            </a:r>
-            <a:r>
-              <a:rPr lang="en-US" dirty="0"/>
-              <a:t> = 0, then 1, then 2, then 3</a:t>
-            </a:r>
-          </a:p>
-          <a:p>
-            <a:r>
-              <a:rPr lang="en-US" b="1" dirty="0"/>
-              <a:t>for </a:t>
-            </a:r>
-            <a:r>
-              <a:rPr lang="en-US" dirty="0"/>
-              <a:t>x </a:t>
-            </a:r>
-            <a:r>
-              <a:rPr lang="en-US" b="1" dirty="0"/>
-              <a:t>in </a:t>
-            </a:r>
-            <a:r>
-              <a:rPr lang="en-US" dirty="0"/>
-              <a:t>range(10):</a:t>
-            </a:r>
-          </a:p>
-          <a:p>
-            <a:r>
-              <a:rPr lang="en-US" dirty="0"/>
-              <a:t>     # Sets x to each of ... [0, 1, 2, 3, 4, 5, 6, 7, 8, 9]</a:t>
-            </a:r>
-          </a:p>
-          <a:p>
-            <a:endParaRPr lang="en-US" dirty="0"/>
-          </a:p>
-          <a:p>
-            <a:endParaRPr lang="en-US" dirty="0"/>
-          </a:p>
-          <a:p>
-            <a:endParaRPr lang="en-US" dirty="0"/>
-          </a:p>
-          <a:p>
-            <a:endParaRPr lang="en-US" dirty="0"/>
-          </a:p>
-          <a:p>
-            <a:endParaRPr lang="en-US" dirty="0"/>
-          </a:p>
-          <a:p>
-            <a:endParaRPr lang="en-US" dirty="0"/>
-          </a:p>
-          <a:p>
-            <a:r>
-              <a:rPr lang="en-US" b="1" dirty="0"/>
-              <a:t>for </a:t>
-            </a:r>
-            <a:r>
-              <a:rPr lang="en-US" dirty="0" err="1"/>
-              <a:t>i</a:t>
-            </a:r>
-            <a:r>
-              <a:rPr lang="en-US" dirty="0"/>
-              <a:t> </a:t>
-            </a:r>
-            <a:r>
-              <a:rPr lang="en-US" b="1" dirty="0"/>
-              <a:t>in </a:t>
-            </a:r>
-            <a:r>
-              <a:rPr lang="en-US" dirty="0"/>
-              <a:t>range(4):</a:t>
-            </a:r>
-          </a:p>
-          <a:p>
-            <a:r>
-              <a:rPr lang="en-US" dirty="0"/>
-              <a:t>    </a:t>
-            </a:r>
-            <a:r>
-              <a:rPr lang="en-US" dirty="0" err="1"/>
-              <a:t>alex.forward</a:t>
-            </a:r>
-            <a:r>
-              <a:rPr lang="en-US" dirty="0"/>
-              <a:t>(50)</a:t>
-            </a:r>
-          </a:p>
-          <a:p>
-            <a:r>
-              <a:rPr lang="en-US" dirty="0"/>
-              <a:t>    </a:t>
-            </a:r>
-            <a:r>
-              <a:rPr lang="en-US" dirty="0" err="1"/>
-              <a:t>alex.left</a:t>
-            </a:r>
-            <a:r>
-              <a:rPr lang="en-US" dirty="0"/>
-              <a:t>(90)</a:t>
-            </a:r>
-          </a:p>
-          <a:p>
-            <a:r>
-              <a:rPr lang="en-US" dirty="0"/>
-              <a:t> </a:t>
-            </a:r>
-          </a:p>
-          <a:p>
-            <a:r>
-              <a:rPr lang="en-US" b="1" dirty="0"/>
-              <a:t>for </a:t>
-            </a:r>
-            <a:r>
-              <a:rPr lang="en-US" dirty="0"/>
-              <a:t>c </a:t>
-            </a:r>
-            <a:r>
-              <a:rPr lang="en-US" b="1" dirty="0"/>
-              <a:t>in </a:t>
-            </a:r>
-            <a:r>
-              <a:rPr lang="en-US" dirty="0"/>
-              <a:t>["yellow", "red", "purple", "blue"]:</a:t>
-            </a:r>
-          </a:p>
-          <a:p>
-            <a:r>
-              <a:rPr lang="en-US" dirty="0"/>
-              <a:t>    </a:t>
-            </a:r>
-            <a:r>
-              <a:rPr lang="en-US" dirty="0" err="1"/>
-              <a:t>alex.color</a:t>
-            </a:r>
-            <a:r>
-              <a:rPr lang="en-US" dirty="0"/>
-              <a:t>(c)</a:t>
-            </a:r>
-          </a:p>
-          <a:p>
-            <a:r>
-              <a:rPr lang="en-US" dirty="0"/>
-              <a:t>    </a:t>
-            </a:r>
-            <a:r>
-              <a:rPr lang="en-US" dirty="0" err="1"/>
-              <a:t>alex.forward</a:t>
-            </a:r>
-            <a:r>
-              <a:rPr lang="en-US" dirty="0"/>
-              <a:t>(50)</a:t>
-            </a:r>
-          </a:p>
-          <a:p>
-            <a:r>
-              <a:rPr lang="en-US" dirty="0"/>
-              <a:t>    </a:t>
-            </a:r>
-            <a:r>
-              <a:rPr lang="en-US" dirty="0" err="1"/>
-              <a:t>alex.left</a:t>
-            </a:r>
-            <a:r>
-              <a:rPr lang="en-US" dirty="0"/>
-              <a:t>(90)</a:t>
-            </a:r>
-          </a:p>
-          <a:p>
-            <a:r>
-              <a:rPr lang="en-US" dirty="0"/>
-              <a:t> </a:t>
-            </a:r>
-          </a:p>
-          <a:p>
-            <a:r>
-              <a:rPr lang="en-US" dirty="0"/>
-              <a:t># Assign a list to a variable</a:t>
-            </a:r>
-          </a:p>
-          <a:p>
-            <a:r>
-              <a:rPr lang="en-US" dirty="0" err="1"/>
-              <a:t>clrs</a:t>
-            </a:r>
-            <a:r>
-              <a:rPr lang="en-US" dirty="0"/>
-              <a:t> = ["yellow", "red", "purple", "blue"]</a:t>
-            </a:r>
-          </a:p>
-          <a:p>
-            <a:r>
-              <a:rPr lang="en-US" b="1" dirty="0"/>
-              <a:t>for </a:t>
-            </a:r>
-            <a:r>
-              <a:rPr lang="en-US" dirty="0"/>
-              <a:t>c </a:t>
-            </a:r>
-            <a:r>
-              <a:rPr lang="en-US" b="1" dirty="0"/>
-              <a:t>in </a:t>
-            </a:r>
-            <a:r>
-              <a:rPr lang="en-US" dirty="0" err="1"/>
-              <a:t>clrs</a:t>
-            </a:r>
-            <a:r>
-              <a:rPr lang="en-US" dirty="0"/>
-              <a:t>:</a:t>
-            </a:r>
-          </a:p>
-          <a:p>
-            <a:r>
-              <a:rPr lang="en-US" dirty="0"/>
-              <a:t>    </a:t>
-            </a:r>
-            <a:r>
-              <a:rPr lang="en-US" dirty="0" err="1"/>
-              <a:t>alex.color</a:t>
-            </a:r>
-            <a:r>
-              <a:rPr lang="en-US" dirty="0"/>
-              <a:t>(c)</a:t>
-            </a:r>
-          </a:p>
-          <a:p>
-            <a:r>
-              <a:rPr lang="en-US" dirty="0"/>
-              <a:t>    </a:t>
-            </a:r>
-            <a:r>
-              <a:rPr lang="en-US" dirty="0" err="1"/>
-              <a:t>alex.forward</a:t>
-            </a:r>
-            <a:r>
-              <a:rPr lang="en-US" dirty="0"/>
-              <a:t>(50)</a:t>
-            </a:r>
-          </a:p>
-          <a:p>
-            <a:r>
-              <a:rPr lang="en-US" dirty="0"/>
-              <a:t>    </a:t>
-            </a:r>
-            <a:r>
-              <a:rPr lang="en-US" dirty="0" err="1"/>
-              <a:t>alex.left</a:t>
-            </a:r>
-            <a:r>
-              <a:rPr lang="en-US" dirty="0"/>
-              <a:t>(90)</a:t>
-            </a:r>
-          </a:p>
-        </p:txBody>
-      </p:sp>
-    </p:spTree>
-    <p:extLst>
-      <p:ext uri="{BB962C8B-B14F-4D97-AF65-F5344CB8AC3E}">
-        <p14:creationId xmlns:p14="http://schemas.microsoft.com/office/powerpoint/2010/main" val="704986761"/>
-      </p:ext>
-    </p:extLst>
-  </p:cSld>
-  <p:clrMapOvr>
-    <a:masterClrMapping/>
-  </p:clrMapOvr>
-</p:sld>
-</file>
-
 <file path=ppt/slides/slide15.xml><?xml version="1.0" encoding="utf-8"?>
 <p:sld xmlns:a="http://schemas.openxmlformats.org/drawingml/2006/main" xmlns:r="http://schemas.openxmlformats.org/officeDocument/2006/relationships" xmlns:p="http://schemas.openxmlformats.org/presentationml/2006/main">
   <p:cSld>
@@ -3720,14 +3459,14 @@
       </p:grpSpPr>
       <p:sp>
         <p:nvSpPr>
-          <p:cNvPr id="4" name="TextBox 3"/>
+          <p:cNvPr id="2" name="TextBox 1"/>
           <p:cNvSpPr txBox="1"/>
           <p:nvPr/>
         </p:nvSpPr>
         <p:spPr>
           <a:xfrm>
-            <a:off x="743919" y="914400"/>
-            <a:ext cx="4685898" cy="2308324"/>
+            <a:off x="573438" y="743918"/>
+            <a:ext cx="5337743" cy="7017306"/>
           </a:xfrm>
           <a:prstGeom prst="rect">
             <a:avLst/>
@@ -3741,6 +3480,339 @@
           <a:lstStyle/>
           <a:p>
             <a:r>
+              <a:rPr lang="en-US" b="1" dirty="0"/>
+              <a:t>for </a:t>
+            </a:r>
+            <a:r>
+              <a:rPr lang="en-US" dirty="0" err="1"/>
+              <a:t>i</a:t>
+            </a:r>
+            <a:r>
+              <a:rPr lang="en-US" dirty="0"/>
+              <a:t> </a:t>
+            </a:r>
+            <a:r>
+              <a:rPr lang="en-US" b="1" dirty="0"/>
+              <a:t>in </a:t>
+            </a:r>
+            <a:r>
+              <a:rPr lang="en-US" dirty="0"/>
+              <a:t>range(4):</a:t>
+            </a:r>
+          </a:p>
+          <a:p>
+            <a:r>
+              <a:rPr lang="en-US" dirty="0"/>
+              <a:t>    # Executes the body with </a:t>
+            </a:r>
+            <a:r>
+              <a:rPr lang="en-US" dirty="0" err="1"/>
+              <a:t>i</a:t>
+            </a:r>
+            <a:r>
+              <a:rPr lang="en-US" dirty="0"/>
+              <a:t> = 0, then 1, then 2, then 3</a:t>
+            </a:r>
+          </a:p>
+          <a:p>
+            <a:r>
+              <a:rPr lang="en-US" b="1" dirty="0"/>
+              <a:t>for </a:t>
+            </a:r>
+            <a:r>
+              <a:rPr lang="en-US" dirty="0"/>
+              <a:t>x </a:t>
+            </a:r>
+            <a:r>
+              <a:rPr lang="en-US" b="1" dirty="0"/>
+              <a:t>in </a:t>
+            </a:r>
+            <a:r>
+              <a:rPr lang="en-US" dirty="0"/>
+              <a:t>range(10):</a:t>
+            </a:r>
+          </a:p>
+          <a:p>
+            <a:r>
+              <a:rPr lang="en-US" dirty="0"/>
+              <a:t>     # Sets x to each of ... [0, 1, 2, 3, 4, 5, 6, 7, 8, 9]</a:t>
+            </a:r>
+          </a:p>
+          <a:p>
+            <a:endParaRPr lang="en-US" dirty="0"/>
+          </a:p>
+          <a:p>
+            <a:endParaRPr lang="en-US" dirty="0"/>
+          </a:p>
+          <a:p>
+            <a:endParaRPr lang="en-US" dirty="0"/>
+          </a:p>
+          <a:p>
+            <a:endParaRPr lang="en-US" dirty="0"/>
+          </a:p>
+          <a:p>
+            <a:endParaRPr lang="en-US" dirty="0"/>
+          </a:p>
+          <a:p>
+            <a:endParaRPr lang="en-US" dirty="0"/>
+          </a:p>
+          <a:p>
+            <a:r>
+              <a:rPr lang="en-US" b="1" dirty="0"/>
+              <a:t>for </a:t>
+            </a:r>
+            <a:r>
+              <a:rPr lang="en-US" dirty="0" err="1"/>
+              <a:t>i</a:t>
+            </a:r>
+            <a:r>
+              <a:rPr lang="en-US" dirty="0"/>
+              <a:t> </a:t>
+            </a:r>
+            <a:r>
+              <a:rPr lang="en-US" b="1" dirty="0"/>
+              <a:t>in </a:t>
+            </a:r>
+            <a:r>
+              <a:rPr lang="en-US" dirty="0"/>
+              <a:t>range(4):</a:t>
+            </a:r>
+          </a:p>
+          <a:p>
+            <a:r>
+              <a:rPr lang="en-US" dirty="0"/>
+              <a:t>    </a:t>
+            </a:r>
+            <a:r>
+              <a:rPr lang="en-US" dirty="0" err="1"/>
+              <a:t>alex.forward</a:t>
+            </a:r>
+            <a:r>
+              <a:rPr lang="en-US" dirty="0"/>
+              <a:t>(50)</a:t>
+            </a:r>
+          </a:p>
+          <a:p>
+            <a:r>
+              <a:rPr lang="en-US" dirty="0"/>
+              <a:t>    </a:t>
+            </a:r>
+            <a:r>
+              <a:rPr lang="en-US" dirty="0" err="1"/>
+              <a:t>alex.left</a:t>
+            </a:r>
+            <a:r>
+              <a:rPr lang="en-US" dirty="0"/>
+              <a:t>(90)</a:t>
+            </a:r>
+          </a:p>
+          <a:p>
+            <a:r>
+              <a:rPr lang="en-US" dirty="0"/>
+              <a:t> </a:t>
+            </a:r>
+          </a:p>
+          <a:p>
+            <a:r>
+              <a:rPr lang="en-US" b="1" dirty="0"/>
+              <a:t>for </a:t>
+            </a:r>
+            <a:r>
+              <a:rPr lang="en-US" dirty="0"/>
+              <a:t>c </a:t>
+            </a:r>
+            <a:r>
+              <a:rPr lang="en-US" b="1" dirty="0"/>
+              <a:t>in </a:t>
+            </a:r>
+            <a:r>
+              <a:rPr lang="en-US" dirty="0"/>
+              <a:t>["yellow", "red", "purple", "blue"]:</a:t>
+            </a:r>
+          </a:p>
+          <a:p>
+            <a:r>
+              <a:rPr lang="en-US" dirty="0"/>
+              <a:t>    </a:t>
+            </a:r>
+            <a:r>
+              <a:rPr lang="en-US" dirty="0" err="1"/>
+              <a:t>alex.color</a:t>
+            </a:r>
+            <a:r>
+              <a:rPr lang="en-US" dirty="0"/>
+              <a:t>(c)</a:t>
+            </a:r>
+          </a:p>
+          <a:p>
+            <a:r>
+              <a:rPr lang="en-US" dirty="0"/>
+              <a:t>    </a:t>
+            </a:r>
+            <a:r>
+              <a:rPr lang="en-US" dirty="0" err="1"/>
+              <a:t>alex.forward</a:t>
+            </a:r>
+            <a:r>
+              <a:rPr lang="en-US" dirty="0"/>
+              <a:t>(50)</a:t>
+            </a:r>
+          </a:p>
+          <a:p>
+            <a:r>
+              <a:rPr lang="en-US" dirty="0"/>
+              <a:t>    </a:t>
+            </a:r>
+            <a:r>
+              <a:rPr lang="en-US" dirty="0" err="1"/>
+              <a:t>alex.left</a:t>
+            </a:r>
+            <a:r>
+              <a:rPr lang="en-US" dirty="0"/>
+              <a:t>(90)</a:t>
+            </a:r>
+          </a:p>
+          <a:p>
+            <a:r>
+              <a:rPr lang="en-US" dirty="0"/>
+              <a:t> </a:t>
+            </a:r>
+          </a:p>
+          <a:p>
+            <a:r>
+              <a:rPr lang="en-US" dirty="0"/>
+              <a:t># Assign a list to a variable</a:t>
+            </a:r>
+          </a:p>
+          <a:p>
+            <a:r>
+              <a:rPr lang="en-US" dirty="0" err="1"/>
+              <a:t>clrs</a:t>
+            </a:r>
+            <a:r>
+              <a:rPr lang="en-US" dirty="0"/>
+              <a:t> = ["yellow", "red", "purple", "blue"]</a:t>
+            </a:r>
+          </a:p>
+          <a:p>
+            <a:r>
+              <a:rPr lang="en-US" b="1" dirty="0"/>
+              <a:t>for </a:t>
+            </a:r>
+            <a:r>
+              <a:rPr lang="en-US" dirty="0"/>
+              <a:t>c </a:t>
+            </a:r>
+            <a:r>
+              <a:rPr lang="en-US" b="1" dirty="0"/>
+              <a:t>in </a:t>
+            </a:r>
+            <a:r>
+              <a:rPr lang="en-US" dirty="0" err="1"/>
+              <a:t>clrs</a:t>
+            </a:r>
+            <a:r>
+              <a:rPr lang="en-US" dirty="0"/>
+              <a:t>:</a:t>
+            </a:r>
+          </a:p>
+          <a:p>
+            <a:r>
+              <a:rPr lang="en-US" dirty="0"/>
+              <a:t>    </a:t>
+            </a:r>
+            <a:r>
+              <a:rPr lang="en-US" dirty="0" err="1"/>
+              <a:t>alex.color</a:t>
+            </a:r>
+            <a:r>
+              <a:rPr lang="en-US" dirty="0"/>
+              <a:t>(c)</a:t>
+            </a:r>
+          </a:p>
+          <a:p>
+            <a:r>
+              <a:rPr lang="en-US" dirty="0"/>
+              <a:t>    </a:t>
+            </a:r>
+            <a:r>
+              <a:rPr lang="en-US" dirty="0" err="1"/>
+              <a:t>alex.forward</a:t>
+            </a:r>
+            <a:r>
+              <a:rPr lang="en-US" dirty="0"/>
+              <a:t>(50)</a:t>
+            </a:r>
+          </a:p>
+          <a:p>
+            <a:r>
+              <a:rPr lang="en-US" dirty="0"/>
+              <a:t>    </a:t>
+            </a:r>
+            <a:r>
+              <a:rPr lang="en-US" dirty="0" err="1"/>
+              <a:t>alex.left</a:t>
+            </a:r>
+            <a:r>
+              <a:rPr lang="en-US" dirty="0"/>
+              <a:t>(90)</a:t>
+            </a:r>
+          </a:p>
+        </p:txBody>
+      </p:sp>
+    </p:spTree>
+    <p:extLst>
+      <p:ext uri="{BB962C8B-B14F-4D97-AF65-F5344CB8AC3E}">
+        <p14:creationId xmlns:p14="http://schemas.microsoft.com/office/powerpoint/2010/main" val="704986761"/>
+      </p:ext>
+    </p:extLst>
+  </p:cSld>
+  <p:clrMapOvr>
+    <a:masterClrMapping/>
+  </p:clrMapOvr>
+</p:sld>
+</file>
+
+<file path=ppt/slides/slide16.xml><?xml version="1.0" encoding="utf-8"?>
+<p:sld xmlns:a="http://schemas.openxmlformats.org/drawingml/2006/main" xmlns:r="http://schemas.openxmlformats.org/officeDocument/2006/relationships" xmlns:p="http://schemas.openxmlformats.org/presentationml/2006/main">
+  <p:cSld>
+    <p:spTree>
+      <p:nvGrpSpPr>
+        <p:cNvPr id="1" name=""/>
+        <p:cNvGrpSpPr/>
+        <p:nvPr/>
+      </p:nvGrpSpPr>
+      <p:grpSpPr>
+        <a:xfrm>
+          <a:off x="0" y="0"/>
+          <a:ext cx="0" cy="0"/>
+          <a:chOff x="0" y="0"/>
+          <a:chExt cx="0" cy="0"/>
+        </a:xfrm>
+      </p:grpSpPr>
+      <p:sp>
+        <p:nvSpPr>
+          <p:cNvPr id="4" name="TextBox 3"/>
+          <p:cNvSpPr txBox="1"/>
+          <p:nvPr/>
+        </p:nvSpPr>
+        <p:spPr>
+          <a:xfrm>
+            <a:off x="0" y="0"/>
+            <a:ext cx="6858000" cy="3416320"/>
+          </a:xfrm>
+          <a:prstGeom prst="rect">
+            <a:avLst/>
+          </a:prstGeom>
+          <a:noFill/>
+        </p:spPr>
+        <p:txBody>
+          <a:bodyPr wrap="square" rtlCol="0">
+            <a:spAutoFit/>
+          </a:bodyPr>
+          <a:lstStyle/>
+          <a:p>
+            <a:r>
               <a:rPr lang="en-US" dirty="0"/>
               <a:t>***************************************</a:t>
             </a:r>
@@ -3782,7 +3854,49 @@
             </a:r>
           </a:p>
           <a:p>
+            <a:r>
+              <a:rPr lang="en-US" dirty="0"/>
+              <a:t>months = ['January', 'February', 'March', 'April’, 'May', 'June', 'July', 'August', 'September', 'October', 'November', 'December']</a:t>
+            </a:r>
+          </a:p>
+          <a:p>
             <a:endParaRPr lang="en-US" dirty="0"/>
+          </a:p>
+          <a:p>
+            <a:r>
+              <a:rPr lang="en-US" dirty="0"/>
+              <a:t>for </a:t>
+            </a:r>
+            <a:r>
+              <a:rPr lang="en-US" dirty="0" err="1"/>
+              <a:t>i</a:t>
+            </a:r>
+            <a:r>
+              <a:rPr lang="en-US" dirty="0"/>
+              <a:t> in months:</a:t>
+            </a:r>
+          </a:p>
+          <a:p>
+            <a:r>
+              <a:rPr lang="en-US" dirty="0"/>
+              <a:t>    print(</a:t>
+            </a:r>
+            <a:r>
+              <a:rPr lang="en-US" dirty="0" err="1"/>
+              <a:t>f'One</a:t>
+            </a:r>
+            <a:r>
+              <a:rPr lang="en-US" dirty="0"/>
+              <a:t> of the months of the year is {</a:t>
+            </a:r>
+            <a:r>
+              <a:rPr lang="en-US" dirty="0" err="1"/>
+              <a:t>i</a:t>
+            </a:r>
+            <a:r>
+              <a:rPr lang="en-US" dirty="0"/>
+              <a:t>}')</a:t>
+            </a:r>
           </a:p>
         </p:txBody>
       </p:sp>
@@ -3799,7 +3913,7 @@
 </p:sld>
 </file>
 
-<file path=ppt/slides/slide16.xml><?xml version="1.0" encoding="utf-8"?>
+<file path=ppt/slides/slide17.xml><?xml version="1.0" encoding="utf-8"?>
 <p:sld xmlns:a="http://schemas.openxmlformats.org/drawingml/2006/main" xmlns:r="http://schemas.openxmlformats.org/officeDocument/2006/relationships" xmlns:p="http://schemas.openxmlformats.org/presentationml/2006/main">
   <p:cSld>
     <p:spTree>
@@ -3952,7 +4066,7 @@
 </p:sld>
 </file>
 
-<file path=ppt/slides/slide17.xml><?xml version="1.0" encoding="utf-8"?>
+<file path=ppt/slides/slide18.xml><?xml version="1.0" encoding="utf-8"?>
 <p:sld xmlns:a="http://schemas.openxmlformats.org/drawingml/2006/main" xmlns:r="http://schemas.openxmlformats.org/officeDocument/2006/relationships" xmlns:p="http://schemas.openxmlformats.org/presentationml/2006/main">
   <p:cSld>
     <p:spTree>
@@ -4023,7 +4137,7 @@
 </p:sld>
 </file>
 
-<file path=ppt/slides/slide18.xml><?xml version="1.0" encoding="utf-8"?>
+<file path=ppt/slides/slide19.xml><?xml version="1.0" encoding="utf-8"?>
 <p:sld xmlns:a="http://schemas.openxmlformats.org/drawingml/2006/main" xmlns:r="http://schemas.openxmlformats.org/officeDocument/2006/relationships" xmlns:p="http://schemas.openxmlformats.org/presentationml/2006/main">
   <p:cSld>
     <p:spTree>
@@ -4048,8 +4162,8 @@
         </p:nvSpPr>
         <p:spPr>
           <a:xfrm>
-            <a:off x="743919" y="914400"/>
-            <a:ext cx="5021881" cy="6463308"/>
+            <a:off x="0" y="0"/>
+            <a:ext cx="6858000" cy="7571303"/>
           </a:xfrm>
           <a:prstGeom prst="rect">
             <a:avLst/>
@@ -4114,25 +4228,142 @@
             </a:r>
           </a:p>
           <a:p>
+            <a:r>
+              <a:rPr lang="en-US" dirty="0"/>
+              <a:t>def rectangle(t, h, w):</a:t>
+            </a:r>
+          </a:p>
+          <a:p>
+            <a:r>
+              <a:rPr lang="en-US" dirty="0"/>
+              <a:t>    for </a:t>
+            </a:r>
+            <a:r>
+              <a:rPr lang="en-US" dirty="0" err="1"/>
+              <a:t>i</a:t>
+            </a:r>
+            <a:r>
+              <a:rPr lang="en-US" dirty="0"/>
+              <a:t> in range(2):</a:t>
+            </a:r>
+          </a:p>
+          <a:p>
+            <a:r>
+              <a:rPr lang="en-US" dirty="0"/>
+              <a:t>        </a:t>
+            </a:r>
+            <a:r>
+              <a:rPr lang="en-US" dirty="0" err="1"/>
+              <a:t>t.fd</a:t>
+            </a:r>
+            <a:r>
+              <a:rPr lang="en-US" dirty="0"/>
+              <a:t>(h)</a:t>
+            </a:r>
+          </a:p>
+          <a:p>
+            <a:r>
+              <a:rPr lang="en-US" dirty="0"/>
+              <a:t>        </a:t>
+            </a:r>
+            <a:r>
+              <a:rPr lang="en-US" dirty="0" err="1"/>
+              <a:t>t.rt</a:t>
+            </a:r>
+            <a:r>
+              <a:rPr lang="en-US" dirty="0"/>
+              <a:t>(90)</a:t>
+            </a:r>
+          </a:p>
+          <a:p>
+            <a:r>
+              <a:rPr lang="en-US" dirty="0"/>
+              <a:t>        </a:t>
+            </a:r>
+            <a:r>
+              <a:rPr lang="en-US" dirty="0" err="1"/>
+              <a:t>t.fd</a:t>
+            </a:r>
+            <a:r>
+              <a:rPr lang="en-US" dirty="0"/>
+              <a:t>(w)</a:t>
+            </a:r>
+          </a:p>
+          <a:p>
+            <a:r>
+              <a:rPr lang="en-US" dirty="0"/>
+              <a:t>        </a:t>
+            </a:r>
+            <a:r>
+              <a:rPr lang="en-US" dirty="0" err="1"/>
+              <a:t>t.rt</a:t>
+            </a:r>
+            <a:r>
+              <a:rPr lang="en-US" dirty="0"/>
+              <a:t>(90)</a:t>
+            </a:r>
+          </a:p>
+          <a:p>
             <a:endParaRPr lang="en-US" dirty="0"/>
           </a:p>
           <a:p>
+            <a:r>
+              <a:rPr lang="en-US" dirty="0"/>
+              <a:t>***************************************</a:t>
+            </a:r>
+          </a:p>
+          <a:p>
             <a:endParaRPr lang="en-US" dirty="0"/>
           </a:p>
           <a:p>
-            <a:endParaRPr lang="en-US" dirty="0"/>
-          </a:p>
-          <a:p>
-            <a:endParaRPr lang="en-US" dirty="0"/>
-          </a:p>
-          <a:p>
-            <a:endParaRPr lang="en-US" dirty="0"/>
-          </a:p>
-          <a:p>
-            <a:endParaRPr lang="en-US" dirty="0"/>
-          </a:p>
-          <a:p>
-            <a:endParaRPr lang="en-US" dirty="0"/>
+            <a:r>
+              <a:rPr lang="en-US" dirty="0"/>
+              <a:t>WS ch3_4B:</a:t>
+            </a:r>
+          </a:p>
+          <a:p>
+            <a:r>
+              <a:rPr lang="en-US" dirty="0"/>
+              <a:t>Use rectangle(</a:t>
+            </a:r>
+            <a:r>
+              <a:rPr lang="en-US" dirty="0" err="1"/>
+              <a:t>t,w,h</a:t>
+            </a:r>
+            <a:r>
+              <a:rPr lang="en-US" dirty="0"/>
+              <a:t>) to write a function, </a:t>
+            </a:r>
+          </a:p>
+          <a:p>
+            <a:r>
+              <a:rPr lang="en-US" dirty="0"/>
+              <a:t>pinwheel_1(</a:t>
+            </a:r>
+            <a:r>
+              <a:rPr lang="en-US" dirty="0" err="1"/>
+              <a:t>t,w,h,n</a:t>
+            </a:r>
+            <a:r>
+              <a:rPr lang="en-US" dirty="0"/>
+              <a:t>),  that uses rectangle(</a:t>
+            </a:r>
+            <a:r>
+              <a:rPr lang="en-US" dirty="0" err="1"/>
+              <a:t>t,w,h</a:t>
+            </a:r>
+            <a:r>
+              <a:rPr lang="en-US" dirty="0"/>
+              <a:t>) to make a pinwheel using turtle, t.  n is an </a:t>
+            </a:r>
+            <a:r>
+              <a:rPr lang="en-US" dirty="0" err="1"/>
+              <a:t>int</a:t>
+            </a:r>
+            <a:r>
+              <a:rPr lang="en-US" dirty="0"/>
+              <a:t> that tells how many rectangles to make within a turn of 360 degrees.</a:t>
+            </a:r>
           </a:p>
           <a:p>
             <a:r>
@@ -4141,66 +4372,50 @@
             </a:r>
           </a:p>
           <a:p>
-            <a:endParaRPr lang="en-US" dirty="0"/>
-          </a:p>
-          <a:p>
-            <a:r>
-              <a:rPr lang="en-US" dirty="0"/>
-              <a:t>WS ch3_4B:</a:t>
-            </a:r>
-          </a:p>
-          <a:p>
-            <a:r>
-              <a:rPr lang="en-US" dirty="0"/>
-              <a:t>Use rectangle(</a:t>
-            </a:r>
-            <a:r>
-              <a:rPr lang="en-US" dirty="0" err="1"/>
-              <a:t>t,w,h</a:t>
-            </a:r>
-            <a:r>
-              <a:rPr lang="en-US" dirty="0"/>
-              <a:t>) to write a function, </a:t>
-            </a:r>
-          </a:p>
-          <a:p>
-            <a:r>
-              <a:rPr lang="en-US" dirty="0"/>
-              <a:t>pinwheel_1(</a:t>
-            </a:r>
-            <a:r>
-              <a:rPr lang="en-US" dirty="0" err="1"/>
-              <a:t>t,w,h,n</a:t>
-            </a:r>
-            <a:r>
-              <a:rPr lang="en-US" dirty="0"/>
-              <a:t>),  that uses rectangle(</a:t>
-            </a:r>
-            <a:r>
-              <a:rPr lang="en-US" dirty="0" err="1"/>
-              <a:t>t,w,h</a:t>
-            </a:r>
-            <a:r>
-              <a:rPr lang="en-US" dirty="0"/>
-              <a:t>) to make a pinwheel using turtle, t.  n is an </a:t>
-            </a:r>
-            <a:r>
-              <a:rPr lang="en-US" dirty="0" err="1"/>
-              <a:t>int</a:t>
-            </a:r>
-            <a:r>
-              <a:rPr lang="en-US" dirty="0"/>
-              <a:t> that tells how many rectangles to make within a turn of 360 degrees.</a:t>
-            </a:r>
-          </a:p>
-          <a:p>
-            <a:r>
-              <a:rPr lang="en-US" dirty="0"/>
-              <a:t>***************************************</a:t>
-            </a:r>
-          </a:p>
-          <a:p>
-            <a:endParaRPr lang="en-US" dirty="0"/>
+            <a:r>
+              <a:rPr lang="en-US" dirty="0"/>
+              <a:t>def pinwheel_1(t, h, w, n):</a:t>
+            </a:r>
+          </a:p>
+          <a:p>
+            <a:r>
+              <a:rPr lang="en-US" dirty="0"/>
+              <a:t>    rot = 360 / n</a:t>
+            </a:r>
+          </a:p>
+          <a:p>
+            <a:r>
+              <a:rPr lang="en-US" dirty="0"/>
+              <a:t>    for </a:t>
+            </a:r>
+            <a:r>
+              <a:rPr lang="en-US" dirty="0" err="1"/>
+              <a:t>i</a:t>
+            </a:r>
+            <a:r>
+              <a:rPr lang="en-US" dirty="0"/>
+              <a:t> in range(1, n+1):</a:t>
+            </a:r>
+          </a:p>
+          <a:p>
+            <a:r>
+              <a:rPr lang="en-US" dirty="0"/>
+              <a:t>        rectangle(t, h, w)</a:t>
+            </a:r>
+          </a:p>
+          <a:p>
+            <a:r>
+              <a:rPr lang="en-US" dirty="0"/>
+              <a:t>        </a:t>
+            </a:r>
+            <a:r>
+              <a:rPr lang="en-US" dirty="0" err="1"/>
+              <a:t>t.rt</a:t>
+            </a:r>
+            <a:r>
+              <a:rPr lang="en-US" dirty="0"/>
+              <a:t>(rot)</a:t>
+            </a:r>
           </a:p>
         </p:txBody>
       </p:sp>
@@ -4217,7 +4432,201 @@
 </p:sld>
 </file>
 
-<file path=ppt/slides/slide19.xml><?xml version="1.0" encoding="utf-8"?>
+<file path=ppt/slides/slide2.xml><?xml version="1.0" encoding="utf-8"?>
+<p:sld xmlns:a="http://schemas.openxmlformats.org/drawingml/2006/main" xmlns:r="http://schemas.openxmlformats.org/officeDocument/2006/relationships" xmlns:p="http://schemas.openxmlformats.org/presentationml/2006/main">
+  <p:cSld>
+    <p:spTree>
+      <p:nvGrpSpPr>
+        <p:cNvPr id="1" name=""/>
+        <p:cNvGrpSpPr/>
+        <p:nvPr/>
+      </p:nvGrpSpPr>
+      <p:grpSpPr>
+        <a:xfrm>
+          <a:off x="0" y="0"/>
+          <a:ext cx="0" cy="0"/>
+          <a:chOff x="0" y="0"/>
+          <a:chExt cx="0" cy="0"/>
+        </a:xfrm>
+      </p:grpSpPr>
+      <p:sp>
+        <p:nvSpPr>
+          <p:cNvPr id="2" name="TextBox 1"/>
+          <p:cNvSpPr txBox="1"/>
+          <p:nvPr/>
+        </p:nvSpPr>
+        <p:spPr>
+          <a:xfrm>
+            <a:off x="526943" y="976393"/>
+            <a:ext cx="5883405" cy="2585323"/>
+          </a:xfrm>
+          <a:prstGeom prst="rect">
+            <a:avLst/>
+          </a:prstGeom>
+          <a:noFill/>
+        </p:spPr>
+        <p:txBody>
+          <a:bodyPr wrap="none" rtlCol="0">
+            <a:spAutoFit/>
+          </a:bodyPr>
+          <a:lstStyle/>
+          <a:p>
+            <a:r>
+              <a:rPr lang="en-US" dirty="0"/>
+              <a:t> </a:t>
+            </a:r>
+            <a:r>
+              <a:rPr lang="en-US" b="1" dirty="0"/>
+              <a:t>import turtle </a:t>
+            </a:r>
+            <a:r>
+              <a:rPr lang="en-US" dirty="0"/>
+              <a:t># Allows us to use turtles</a:t>
+            </a:r>
+          </a:p>
+          <a:p>
+            <a:r>
+              <a:rPr lang="en-US" dirty="0"/>
+              <a:t> </a:t>
+            </a:r>
+            <a:r>
+              <a:rPr lang="en-US" dirty="0" err="1"/>
+              <a:t>wn</a:t>
+            </a:r>
+            <a:r>
+              <a:rPr lang="en-US" dirty="0"/>
+              <a:t> = </a:t>
+            </a:r>
+            <a:r>
+              <a:rPr lang="en-US" dirty="0" err="1"/>
+              <a:t>turtle.Screen</a:t>
+            </a:r>
+            <a:r>
+              <a:rPr lang="en-US" dirty="0"/>
+              <a:t>() # Creates a playground for turtles</a:t>
+            </a:r>
+          </a:p>
+          <a:p>
+            <a:r>
+              <a:rPr lang="en-US" dirty="0"/>
+              <a:t> </a:t>
+            </a:r>
+            <a:r>
+              <a:rPr lang="en-US" dirty="0" err="1"/>
+              <a:t>alex</a:t>
+            </a:r>
+            <a:r>
+              <a:rPr lang="en-US" dirty="0"/>
+              <a:t> = </a:t>
+            </a:r>
+            <a:r>
+              <a:rPr lang="en-US" dirty="0" err="1"/>
+              <a:t>turtle.Turtle</a:t>
+            </a:r>
+            <a:r>
+              <a:rPr lang="en-US" dirty="0"/>
+              <a:t>() # Create a turtle, assign to </a:t>
+            </a:r>
+            <a:r>
+              <a:rPr lang="en-US" dirty="0" err="1"/>
+              <a:t>alex</a:t>
+            </a:r>
+            <a:endParaRPr lang="en-US" dirty="0"/>
+          </a:p>
+          <a:p>
+            <a:endParaRPr lang="en-US" dirty="0"/>
+          </a:p>
+          <a:p>
+            <a:r>
+              <a:rPr lang="en-US" dirty="0"/>
+              <a:t> </a:t>
+            </a:r>
+            <a:r>
+              <a:rPr lang="en-US" dirty="0" err="1"/>
+              <a:t>alex.forward</a:t>
+            </a:r>
+            <a:r>
+              <a:rPr lang="en-US" dirty="0"/>
+              <a:t>(50) # Tell </a:t>
+            </a:r>
+            <a:r>
+              <a:rPr lang="en-US" dirty="0" err="1"/>
+              <a:t>alex</a:t>
+            </a:r>
+            <a:r>
+              <a:rPr lang="en-US" dirty="0"/>
+              <a:t> to move forward by 50 units</a:t>
+            </a:r>
+          </a:p>
+          <a:p>
+            <a:r>
+              <a:rPr lang="en-US" dirty="0"/>
+              <a:t> </a:t>
+            </a:r>
+            <a:r>
+              <a:rPr lang="en-US" dirty="0" err="1"/>
+              <a:t>alex.left</a:t>
+            </a:r>
+            <a:r>
+              <a:rPr lang="en-US" dirty="0"/>
+              <a:t>(90) # Tell </a:t>
+            </a:r>
+            <a:r>
+              <a:rPr lang="en-US" dirty="0" err="1"/>
+              <a:t>alex</a:t>
+            </a:r>
+            <a:r>
+              <a:rPr lang="en-US" dirty="0"/>
+              <a:t> to turn by 90 degrees</a:t>
+            </a:r>
+          </a:p>
+          <a:p>
+            <a:r>
+              <a:rPr lang="en-US" dirty="0"/>
+              <a:t> </a:t>
+            </a:r>
+            <a:r>
+              <a:rPr lang="en-US" dirty="0" err="1"/>
+              <a:t>alex.forward</a:t>
+            </a:r>
+            <a:r>
+              <a:rPr lang="en-US" dirty="0"/>
+              <a:t>(30) # Complete the second side of a rectangle</a:t>
+            </a:r>
+          </a:p>
+          <a:p>
+            <a:endParaRPr lang="en-US" dirty="0"/>
+          </a:p>
+          <a:p>
+            <a:r>
+              <a:rPr lang="en-US" dirty="0"/>
+              <a:t> </a:t>
+            </a:r>
+            <a:r>
+              <a:rPr lang="en-US" dirty="0" err="1"/>
+              <a:t>wn.mainloop</a:t>
+            </a:r>
+            <a:r>
+              <a:rPr lang="en-US" dirty="0"/>
+              <a:t>() # Wait for user to close window</a:t>
+            </a:r>
+          </a:p>
+        </p:txBody>
+      </p:sp>
+    </p:spTree>
+    <p:extLst>
+      <p:ext uri="{BB962C8B-B14F-4D97-AF65-F5344CB8AC3E}">
+        <p14:creationId xmlns:p14="http://schemas.microsoft.com/office/powerpoint/2010/main" val="2664519579"/>
+      </p:ext>
+    </p:extLst>
+  </p:cSld>
+  <p:clrMapOvr>
+    <a:masterClrMapping/>
+  </p:clrMapOvr>
+</p:sld>
+</file>
+
+<file path=ppt/slides/slide20.xml><?xml version="1.0" encoding="utf-8"?>
 <p:sld xmlns:a="http://schemas.openxmlformats.org/drawingml/2006/main" xmlns:r="http://schemas.openxmlformats.org/officeDocument/2006/relationships" xmlns:p="http://schemas.openxmlformats.org/presentationml/2006/main">
   <p:cSld>
     <p:spTree>
@@ -4288,446 +4697,6 @@
 </p:sld>
 </file>
 
-<file path=ppt/slides/slide2.xml><?xml version="1.0" encoding="utf-8"?>
-<p:sld xmlns:a="http://schemas.openxmlformats.org/drawingml/2006/main" xmlns:r="http://schemas.openxmlformats.org/officeDocument/2006/relationships" xmlns:p="http://schemas.openxmlformats.org/presentationml/2006/main">
-  <p:cSld>
-    <p:spTree>
-      <p:nvGrpSpPr>
-        <p:cNvPr id="1" name=""/>
-        <p:cNvGrpSpPr/>
-        <p:nvPr/>
-      </p:nvGrpSpPr>
-      <p:grpSpPr>
-        <a:xfrm>
-          <a:off x="0" y="0"/>
-          <a:ext cx="0" cy="0"/>
-          <a:chOff x="0" y="0"/>
-          <a:chExt cx="0" cy="0"/>
-        </a:xfrm>
-      </p:grpSpPr>
-      <p:sp>
-        <p:nvSpPr>
-          <p:cNvPr id="2" name="TextBox 1"/>
-          <p:cNvSpPr txBox="1"/>
-          <p:nvPr/>
-        </p:nvSpPr>
-        <p:spPr>
-          <a:xfrm>
-            <a:off x="526943" y="976393"/>
-            <a:ext cx="5883405" cy="2585323"/>
-          </a:xfrm>
-          <a:prstGeom prst="rect">
-            <a:avLst/>
-          </a:prstGeom>
-          <a:noFill/>
-        </p:spPr>
-        <p:txBody>
-          <a:bodyPr wrap="none" rtlCol="0">
-            <a:spAutoFit/>
-          </a:bodyPr>
-          <a:lstStyle/>
-          <a:p>
-            <a:r>
-              <a:rPr lang="en-US" dirty="0"/>
-              <a:t> </a:t>
-            </a:r>
-            <a:r>
-              <a:rPr lang="en-US" b="1" dirty="0"/>
-              <a:t>import turtle </a:t>
-            </a:r>
-            <a:r>
-              <a:rPr lang="en-US" dirty="0"/>
-              <a:t># Allows us to use turtles</a:t>
-            </a:r>
-          </a:p>
-          <a:p>
-            <a:r>
-              <a:rPr lang="en-US" dirty="0"/>
-              <a:t> </a:t>
-            </a:r>
-            <a:r>
-              <a:rPr lang="en-US" dirty="0" err="1"/>
-              <a:t>wn</a:t>
-            </a:r>
-            <a:r>
-              <a:rPr lang="en-US" dirty="0"/>
-              <a:t> = </a:t>
-            </a:r>
-            <a:r>
-              <a:rPr lang="en-US" dirty="0" err="1"/>
-              <a:t>turtle.Screen</a:t>
-            </a:r>
-            <a:r>
-              <a:rPr lang="en-US" dirty="0"/>
-              <a:t>() # Creates a playground for turtles</a:t>
-            </a:r>
-          </a:p>
-          <a:p>
-            <a:r>
-              <a:rPr lang="en-US" dirty="0"/>
-              <a:t> </a:t>
-            </a:r>
-            <a:r>
-              <a:rPr lang="en-US" dirty="0" err="1"/>
-              <a:t>alex</a:t>
-            </a:r>
-            <a:r>
-              <a:rPr lang="en-US" dirty="0"/>
-              <a:t> = </a:t>
-            </a:r>
-            <a:r>
-              <a:rPr lang="en-US" dirty="0" err="1"/>
-              <a:t>turtle.Turtle</a:t>
-            </a:r>
-            <a:r>
-              <a:rPr lang="en-US" dirty="0"/>
-              <a:t>() # Create a turtle, assign to </a:t>
-            </a:r>
-            <a:r>
-              <a:rPr lang="en-US" dirty="0" err="1"/>
-              <a:t>alex</a:t>
-            </a:r>
-            <a:endParaRPr lang="en-US" dirty="0"/>
-          </a:p>
-          <a:p>
-            <a:endParaRPr lang="en-US" dirty="0"/>
-          </a:p>
-          <a:p>
-            <a:r>
-              <a:rPr lang="en-US" dirty="0"/>
-              <a:t> </a:t>
-            </a:r>
-            <a:r>
-              <a:rPr lang="en-US" dirty="0" err="1"/>
-              <a:t>alex.forward</a:t>
-            </a:r>
-            <a:r>
-              <a:rPr lang="en-US" dirty="0"/>
-              <a:t>(50) # Tell </a:t>
-            </a:r>
-            <a:r>
-              <a:rPr lang="en-US" dirty="0" err="1"/>
-              <a:t>alex</a:t>
-            </a:r>
-            <a:r>
-              <a:rPr lang="en-US" dirty="0"/>
-              <a:t> to move forward by 50 units</a:t>
-            </a:r>
-          </a:p>
-          <a:p>
-            <a:r>
-              <a:rPr lang="en-US" dirty="0"/>
-              <a:t> </a:t>
-            </a:r>
-            <a:r>
-              <a:rPr lang="en-US" dirty="0" err="1"/>
-              <a:t>alex.left</a:t>
-            </a:r>
-            <a:r>
-              <a:rPr lang="en-US" dirty="0"/>
-              <a:t>(90) # Tell </a:t>
-            </a:r>
-            <a:r>
-              <a:rPr lang="en-US" dirty="0" err="1"/>
-              <a:t>alex</a:t>
-            </a:r>
-            <a:r>
-              <a:rPr lang="en-US" dirty="0"/>
-              <a:t> to turn by 90 degrees</a:t>
-            </a:r>
-          </a:p>
-          <a:p>
-            <a:r>
-              <a:rPr lang="en-US" dirty="0"/>
-              <a:t> </a:t>
-            </a:r>
-            <a:r>
-              <a:rPr lang="en-US" dirty="0" err="1"/>
-              <a:t>alex.forward</a:t>
-            </a:r>
-            <a:r>
-              <a:rPr lang="en-US" dirty="0"/>
-              <a:t>(30) # Complete the second side of a rectangle</a:t>
-            </a:r>
-          </a:p>
-          <a:p>
-            <a:endParaRPr lang="en-US" dirty="0"/>
-          </a:p>
-          <a:p>
-            <a:r>
-              <a:rPr lang="en-US" dirty="0"/>
-              <a:t> </a:t>
-            </a:r>
-            <a:r>
-              <a:rPr lang="en-US" dirty="0" err="1"/>
-              <a:t>wn.mainloop</a:t>
-            </a:r>
-            <a:r>
-              <a:rPr lang="en-US" dirty="0"/>
-              <a:t>() # Wait for user to close window</a:t>
-            </a:r>
-          </a:p>
-        </p:txBody>
-      </p:sp>
-    </p:spTree>
-    <p:extLst>
-      <p:ext uri="{BB962C8B-B14F-4D97-AF65-F5344CB8AC3E}">
-        <p14:creationId xmlns:p14="http://schemas.microsoft.com/office/powerpoint/2010/main" val="2664519579"/>
-      </p:ext>
-    </p:extLst>
-  </p:cSld>
-  <p:clrMapOvr>
-    <a:masterClrMapping/>
-  </p:clrMapOvr>
-</p:sld>
-</file>
-
-<file path=ppt/slides/slide20.xml><?xml version="1.0" encoding="utf-8"?>
-<p:sld xmlns:a="http://schemas.openxmlformats.org/drawingml/2006/main" xmlns:r="http://schemas.openxmlformats.org/officeDocument/2006/relationships" xmlns:p="http://schemas.openxmlformats.org/presentationml/2006/main">
-  <p:cSld>
-    <p:spTree>
-      <p:nvGrpSpPr>
-        <p:cNvPr id="1" name=""/>
-        <p:cNvGrpSpPr/>
-        <p:nvPr/>
-      </p:nvGrpSpPr>
-      <p:grpSpPr>
-        <a:xfrm>
-          <a:off x="0" y="0"/>
-          <a:ext cx="0" cy="0"/>
-          <a:chOff x="0" y="0"/>
-          <a:chExt cx="0" cy="0"/>
-        </a:xfrm>
-      </p:grpSpPr>
-      <p:sp>
-        <p:nvSpPr>
-          <p:cNvPr id="2" name="TextBox 1"/>
-          <p:cNvSpPr txBox="1"/>
-          <p:nvPr/>
-        </p:nvSpPr>
-        <p:spPr>
-          <a:xfrm>
-            <a:off x="433953" y="743919"/>
-            <a:ext cx="5134995" cy="4801314"/>
-          </a:xfrm>
-          <a:prstGeom prst="rect">
-            <a:avLst/>
-          </a:prstGeom>
-          <a:noFill/>
-        </p:spPr>
-        <p:txBody>
-          <a:bodyPr wrap="none" rtlCol="0">
-            <a:spAutoFit/>
-          </a:bodyPr>
-          <a:lstStyle/>
-          <a:p>
-            <a:r>
-              <a:rPr lang="en-US" b="1" dirty="0"/>
-              <a:t>import turtle</a:t>
-            </a:r>
-          </a:p>
-          <a:p>
-            <a:r>
-              <a:rPr lang="en-US" dirty="0" err="1"/>
-              <a:t>wn</a:t>
-            </a:r>
-            <a:r>
-              <a:rPr lang="en-US" dirty="0"/>
-              <a:t> = </a:t>
-            </a:r>
-            <a:r>
-              <a:rPr lang="en-US" dirty="0" err="1"/>
-              <a:t>turtle.Screen</a:t>
-            </a:r>
-            <a:r>
-              <a:rPr lang="en-US" dirty="0"/>
-              <a:t>()</a:t>
-            </a:r>
-          </a:p>
-          <a:p>
-            <a:r>
-              <a:rPr lang="en-US" dirty="0" err="1"/>
-              <a:t>wn.bgcolor</a:t>
-            </a:r>
-            <a:r>
-              <a:rPr lang="en-US" dirty="0"/>
-              <a:t>("</a:t>
-            </a:r>
-            <a:r>
-              <a:rPr lang="en-US" dirty="0" err="1"/>
-              <a:t>lightgreen</a:t>
-            </a:r>
-            <a:r>
-              <a:rPr lang="en-US" dirty="0"/>
-              <a:t>")</a:t>
-            </a:r>
-          </a:p>
-          <a:p>
-            <a:r>
-              <a:rPr lang="en-US" dirty="0" err="1"/>
-              <a:t>tess</a:t>
-            </a:r>
-            <a:r>
-              <a:rPr lang="en-US" dirty="0"/>
-              <a:t> = </a:t>
-            </a:r>
-            <a:r>
-              <a:rPr lang="en-US" dirty="0" err="1"/>
-              <a:t>turtle.Turtle</a:t>
-            </a:r>
-            <a:r>
-              <a:rPr lang="en-US" dirty="0"/>
-              <a:t>()</a:t>
-            </a:r>
-          </a:p>
-          <a:p>
-            <a:r>
-              <a:rPr lang="en-US" dirty="0" err="1"/>
-              <a:t>tess.shape</a:t>
-            </a:r>
-            <a:r>
-              <a:rPr lang="en-US" dirty="0"/>
-              <a:t>("turtle")</a:t>
-            </a:r>
-          </a:p>
-          <a:p>
-            <a:r>
-              <a:rPr lang="en-US" dirty="0" err="1"/>
-              <a:t>tess.color</a:t>
-            </a:r>
-            <a:r>
-              <a:rPr lang="en-US" dirty="0"/>
-              <a:t>("blue")</a:t>
-            </a:r>
-          </a:p>
-          <a:p>
-            <a:endParaRPr lang="en-US" dirty="0"/>
-          </a:p>
-          <a:p>
-            <a:r>
-              <a:rPr lang="en-US" dirty="0" err="1"/>
-              <a:t>tess.penup</a:t>
-            </a:r>
-            <a:r>
-              <a:rPr lang="en-US" dirty="0"/>
-              <a:t>() # This is new</a:t>
-            </a:r>
-          </a:p>
-          <a:p>
-            <a:r>
-              <a:rPr lang="en-US" dirty="0"/>
-              <a:t>size = 20</a:t>
-            </a:r>
-          </a:p>
-          <a:p>
-            <a:r>
-              <a:rPr lang="en-US" b="1" dirty="0"/>
-              <a:t>for </a:t>
-            </a:r>
-            <a:r>
-              <a:rPr lang="en-US" dirty="0" err="1"/>
-              <a:t>i</a:t>
-            </a:r>
-            <a:r>
-              <a:rPr lang="en-US" dirty="0"/>
-              <a:t> </a:t>
-            </a:r>
-            <a:r>
-              <a:rPr lang="en-US" b="1" dirty="0"/>
-              <a:t>in </a:t>
-            </a:r>
-            <a:r>
-              <a:rPr lang="en-US" dirty="0"/>
-              <a:t>range(30):</a:t>
-            </a:r>
-          </a:p>
-          <a:p>
-            <a:r>
-              <a:rPr lang="en-US" dirty="0"/>
-              <a:t>    </a:t>
-            </a:r>
-            <a:r>
-              <a:rPr lang="en-US" dirty="0" err="1"/>
-              <a:t>tess.stamp</a:t>
-            </a:r>
-            <a:r>
-              <a:rPr lang="en-US" dirty="0"/>
-              <a:t>() # Leave an impression on the canvas</a:t>
-            </a:r>
-          </a:p>
-          <a:p>
-            <a:r>
-              <a:rPr lang="en-US" dirty="0"/>
-              <a:t>    size = size + 3 # Increase the size on every iteration</a:t>
-            </a:r>
-          </a:p>
-          <a:p>
-            <a:r>
-              <a:rPr lang="en-US" dirty="0"/>
-              <a:t>   </a:t>
-            </a:r>
-            <a:r>
-              <a:rPr lang="en-US" dirty="0" err="1"/>
-              <a:t>tess.forward</a:t>
-            </a:r>
-            <a:r>
-              <a:rPr lang="en-US" dirty="0"/>
-              <a:t>(size) # Move </a:t>
-            </a:r>
-            <a:r>
-              <a:rPr lang="en-US" dirty="0" err="1"/>
-              <a:t>tess</a:t>
-            </a:r>
-            <a:r>
-              <a:rPr lang="en-US" dirty="0"/>
-              <a:t> along</a:t>
-            </a:r>
-          </a:p>
-          <a:p>
-            <a:r>
-              <a:rPr lang="en-US" dirty="0"/>
-              <a:t>   </a:t>
-            </a:r>
-            <a:r>
-              <a:rPr lang="en-US" dirty="0" err="1"/>
-              <a:t>tess.right</a:t>
-            </a:r>
-            <a:r>
-              <a:rPr lang="en-US" dirty="0"/>
-              <a:t>(24) # ... and turn her</a:t>
-            </a:r>
-          </a:p>
-          <a:p>
-            <a:endParaRPr lang="en-US" dirty="0"/>
-          </a:p>
-          <a:p>
-            <a:r>
-              <a:rPr lang="en-US" dirty="0" err="1"/>
-              <a:t>wn.mainloop</a:t>
-            </a:r>
-            <a:r>
-              <a:rPr lang="en-US" dirty="0"/>
-              <a:t>()</a:t>
-            </a:r>
-          </a:p>
-          <a:p>
-            <a:endParaRPr lang="en-US" dirty="0"/>
-          </a:p>
-        </p:txBody>
-      </p:sp>
-    </p:spTree>
-    <p:extLst>
-      <p:ext uri="{BB962C8B-B14F-4D97-AF65-F5344CB8AC3E}">
-        <p14:creationId xmlns:p14="http://schemas.microsoft.com/office/powerpoint/2010/main" val="1319969287"/>
-      </p:ext>
-    </p:extLst>
-  </p:cSld>
-  <p:clrMapOvr>
-    <a:masterClrMapping/>
-  </p:clrMapOvr>
-</p:sld>
-</file>
-
 <file path=ppt/slides/slide21.xml><?xml version="1.0" encoding="utf-8"?>
 <p:sld xmlns:a="http://schemas.openxmlformats.org/drawingml/2006/main" xmlns:r="http://schemas.openxmlformats.org/officeDocument/2006/relationships" xmlns:p="http://schemas.openxmlformats.org/presentationml/2006/main">
   <p:cSld>
@@ -4753,8 +4722,8 @@
         </p:nvSpPr>
         <p:spPr>
           <a:xfrm>
-            <a:off x="108488" y="356461"/>
-            <a:ext cx="6171882" cy="7725192"/>
+            <a:off x="433953" y="743919"/>
+            <a:ext cx="5134995" cy="4801314"/>
           </a:xfrm>
           <a:prstGeom prst="rect">
             <a:avLst/>
@@ -4768,273 +4737,193 @@
           <a:lstStyle/>
           <a:p>
             <a:r>
-              <a:rPr lang="en-US" sz="1400" dirty="0"/>
-              <a:t>##sumAcum.py</a:t>
-            </a:r>
-          </a:p>
-          <a:p>
-            <a:endParaRPr lang="en-US" sz="1400" dirty="0"/>
-          </a:p>
-          <a:p>
-            <a:r>
-              <a:rPr lang="en-US" sz="1400" dirty="0"/>
-              <a:t>print('First example:')</a:t>
-            </a:r>
-          </a:p>
-          <a:p>
-            <a:endParaRPr lang="en-US" sz="1400" dirty="0"/>
-          </a:p>
-          <a:p>
-            <a:r>
-              <a:rPr lang="en-US" sz="1400" dirty="0"/>
-              <a:t>Sum = 0 ## </a:t>
-            </a:r>
-            <a:r>
-              <a:rPr lang="en-US" sz="1400" dirty="0" err="1"/>
-              <a:t>init</a:t>
-            </a:r>
-            <a:r>
-              <a:rPr lang="en-US" sz="1400" dirty="0"/>
-              <a:t> sum accumulator to zero</a:t>
-            </a:r>
-          </a:p>
-          <a:p>
-            <a:r>
-              <a:rPr lang="en-US" sz="1400" dirty="0"/>
+              <a:rPr lang="en-US" b="1" dirty="0"/>
+              <a:t>import turtle</a:t>
+            </a:r>
+          </a:p>
+          <a:p>
+            <a:r>
+              <a:rPr lang="en-US" dirty="0" err="1"/>
+              <a:t>wn</a:t>
+            </a:r>
+            <a:r>
+              <a:rPr lang="en-US" dirty="0"/>
+              <a:t> = </a:t>
+            </a:r>
+            <a:r>
+              <a:rPr lang="en-US" dirty="0" err="1"/>
+              <a:t>turtle.Screen</a:t>
+            </a:r>
+            <a:r>
+              <a:rPr lang="en-US" dirty="0"/>
+              <a:t>()</a:t>
+            </a:r>
+          </a:p>
+          <a:p>
+            <a:r>
+              <a:rPr lang="en-US" dirty="0" err="1"/>
+              <a:t>wn.bgcolor</a:t>
+            </a:r>
+            <a:r>
+              <a:rPr lang="en-US" dirty="0"/>
+              <a:t>("</a:t>
+            </a:r>
+            <a:r>
+              <a:rPr lang="en-US" dirty="0" err="1"/>
+              <a:t>lightgreen</a:t>
+            </a:r>
+            <a:r>
+              <a:rPr lang="en-US" dirty="0"/>
+              <a:t>")</a:t>
+            </a:r>
+          </a:p>
+          <a:p>
+            <a:r>
+              <a:rPr lang="en-US" dirty="0" err="1"/>
+              <a:t>tess</a:t>
+            </a:r>
+            <a:r>
+              <a:rPr lang="en-US" dirty="0"/>
+              <a:t> = </a:t>
+            </a:r>
+            <a:r>
+              <a:rPr lang="en-US" dirty="0" err="1"/>
+              <a:t>turtle.Turtle</a:t>
+            </a:r>
+            <a:r>
+              <a:rPr lang="en-US" dirty="0"/>
+              <a:t>()</a:t>
+            </a:r>
+          </a:p>
+          <a:p>
+            <a:r>
+              <a:rPr lang="en-US" dirty="0" err="1"/>
+              <a:t>tess.shape</a:t>
+            </a:r>
+            <a:r>
+              <a:rPr lang="en-US" dirty="0"/>
+              <a:t>("turtle")</a:t>
+            </a:r>
+          </a:p>
+          <a:p>
+            <a:r>
+              <a:rPr lang="en-US" dirty="0" err="1"/>
+              <a:t>tess.color</a:t>
+            </a:r>
+            <a:r>
+              <a:rPr lang="en-US" dirty="0"/>
+              <a:t>("blue")</a:t>
+            </a:r>
+          </a:p>
+          <a:p>
+            <a:endParaRPr lang="en-US" dirty="0"/>
+          </a:p>
+          <a:p>
+            <a:r>
+              <a:rPr lang="en-US" dirty="0" err="1"/>
+              <a:t>tess.penup</a:t>
+            </a:r>
+            <a:r>
+              <a:rPr lang="en-US" dirty="0"/>
+              <a:t>() # This is new</a:t>
+            </a:r>
+          </a:p>
+          <a:p>
+            <a:r>
+              <a:rPr lang="en-US" dirty="0"/>
+              <a:t>size = 20</a:t>
+            </a:r>
+          </a:p>
+          <a:p>
+            <a:r>
+              <a:rPr lang="en-US" b="1" dirty="0"/>
               <a:t>for </a:t>
             </a:r>
             <a:r>
-              <a:rPr lang="en-US" sz="1400" dirty="0" err="1"/>
-              <a:t>num</a:t>
-            </a:r>
-            <a:r>
-              <a:rPr lang="en-US" sz="1400" dirty="0"/>
-              <a:t> in range(1,4):  ## </a:t>
-            </a:r>
-            <a:r>
-              <a:rPr lang="en-US" sz="1400" dirty="0" err="1"/>
-              <a:t>num</a:t>
-            </a:r>
-            <a:r>
-              <a:rPr lang="en-US" sz="1400" dirty="0"/>
-              <a:t> ranges from 1 to 3</a:t>
-            </a:r>
-          </a:p>
-          <a:p>
-            <a:r>
-              <a:rPr lang="en-US" sz="1400" dirty="0"/>
-              <a:t>    Sum = Sum + </a:t>
-            </a:r>
-            <a:r>
-              <a:rPr lang="en-US" sz="1400" dirty="0" err="1"/>
-              <a:t>num</a:t>
-            </a:r>
-            <a:r>
-              <a:rPr lang="en-US" sz="1400" dirty="0"/>
-              <a:t> ## every time thru loop, add the next </a:t>
-            </a:r>
-            <a:r>
-              <a:rPr lang="en-US" sz="1400" dirty="0" err="1"/>
-              <a:t>int</a:t>
-            </a:r>
-            <a:r>
-              <a:rPr lang="en-US" sz="1400" dirty="0"/>
-              <a:t> to Sum</a:t>
-            </a:r>
-          </a:p>
-          <a:p>
-            <a:r>
-              <a:rPr lang="en-US" sz="1400" dirty="0"/>
-              <a:t>    print(Sum) ## print out current value of Sum</a:t>
-            </a:r>
-          </a:p>
-          <a:p>
-            <a:endParaRPr lang="en-US" sz="1400" dirty="0"/>
-          </a:p>
-          <a:p>
-            <a:endParaRPr lang="en-US" sz="1400" dirty="0"/>
-          </a:p>
-          <a:p>
-            <a:r>
-              <a:rPr lang="en-US" sz="1400" dirty="0"/>
-              <a:t>print()  ## print out a blank line</a:t>
-            </a:r>
-          </a:p>
-          <a:p>
-            <a:r>
-              <a:rPr lang="en-US" sz="1400" dirty="0"/>
-              <a:t>print('Second example:')</a:t>
-            </a:r>
-          </a:p>
-          <a:p>
-            <a:endParaRPr lang="en-US" sz="1400" dirty="0"/>
-          </a:p>
-          <a:p>
-            <a:r>
-              <a:rPr lang="en-US" sz="1400" dirty="0"/>
-              <a:t>Sum1 = 0</a:t>
-            </a:r>
-          </a:p>
-          <a:p>
-            <a:r>
-              <a:rPr lang="en-US" sz="1400" dirty="0"/>
-              <a:t>for </a:t>
-            </a:r>
-            <a:r>
-              <a:rPr lang="en-US" sz="1400" dirty="0" err="1"/>
-              <a:t>num</a:t>
-            </a:r>
-            <a:r>
-              <a:rPr lang="en-US" sz="1400" dirty="0"/>
-              <a:t> in range(1,10,2): ## </a:t>
-            </a:r>
-            <a:r>
-              <a:rPr lang="en-US" sz="1400" dirty="0" err="1"/>
-              <a:t>num</a:t>
-            </a:r>
-            <a:r>
-              <a:rPr lang="en-US" sz="1400" dirty="0"/>
-              <a:t> range over 1,3,5,7,9</a:t>
-            </a:r>
-          </a:p>
-          <a:p>
-            <a:r>
-              <a:rPr lang="en-US" sz="1400" dirty="0"/>
-              <a:t>    Sum1 = Sum1 + </a:t>
-            </a:r>
-            <a:r>
-              <a:rPr lang="en-US" sz="1400" dirty="0" err="1"/>
-              <a:t>num</a:t>
-            </a:r>
-            <a:r>
-              <a:rPr lang="en-US" sz="1400" dirty="0"/>
-              <a:t> ## every time thru loop, add the next </a:t>
-            </a:r>
-            <a:r>
-              <a:rPr lang="en-US" sz="1400" dirty="0" err="1"/>
-              <a:t>int</a:t>
-            </a:r>
-            <a:r>
-              <a:rPr lang="en-US" sz="1400" dirty="0"/>
-              <a:t> to Sum</a:t>
-            </a:r>
-          </a:p>
-          <a:p>
-            <a:r>
-              <a:rPr lang="en-US" sz="1400" dirty="0"/>
-              <a:t>    print(Sum1) ## print out current value of Sum</a:t>
-            </a:r>
-          </a:p>
-          <a:p>
-            <a:endParaRPr lang="en-US" sz="1400" dirty="0"/>
-          </a:p>
-          <a:p>
-            <a:endParaRPr lang="en-US" sz="1400" dirty="0"/>
-          </a:p>
-          <a:p>
-            <a:endParaRPr lang="en-US" sz="1400" dirty="0"/>
-          </a:p>
-          <a:p>
-            <a:endParaRPr lang="en-US" sz="1400" dirty="0"/>
-          </a:p>
-          <a:p>
-            <a:endParaRPr lang="en-US" sz="1400" dirty="0"/>
-          </a:p>
-          <a:p>
-            <a:endParaRPr lang="en-US" sz="1400" dirty="0"/>
-          </a:p>
-          <a:p>
-            <a:r>
-              <a:rPr lang="en-US" sz="1400" dirty="0"/>
-              <a:t>## prodAcum.py</a:t>
-            </a:r>
-          </a:p>
-          <a:p>
-            <a:endParaRPr lang="en-US" sz="1400" dirty="0"/>
-          </a:p>
-          <a:p>
-            <a:r>
-              <a:rPr lang="en-US" sz="1400" dirty="0"/>
-              <a:t>product = 1 ## </a:t>
-            </a:r>
-            <a:r>
-              <a:rPr lang="en-US" sz="1400" dirty="0" err="1"/>
-              <a:t>init</a:t>
-            </a:r>
-            <a:r>
-              <a:rPr lang="en-US" sz="1400" dirty="0"/>
-              <a:t> product accumulator to one</a:t>
-            </a:r>
-          </a:p>
-          <a:p>
-            <a:r>
-              <a:rPr lang="en-US" sz="1400" dirty="0"/>
-              <a:t>for </a:t>
-            </a:r>
-            <a:r>
-              <a:rPr lang="en-US" sz="1400" dirty="0" err="1"/>
-              <a:t>num</a:t>
-            </a:r>
-            <a:r>
-              <a:rPr lang="en-US" sz="1400" dirty="0"/>
-              <a:t> in range(1,4):  ## </a:t>
-            </a:r>
-            <a:r>
-              <a:rPr lang="en-US" sz="1400" dirty="0" err="1"/>
-              <a:t>num</a:t>
-            </a:r>
-            <a:r>
-              <a:rPr lang="en-US" sz="1400" dirty="0"/>
-              <a:t> ranges from 1 to 3</a:t>
-            </a:r>
-          </a:p>
-          <a:p>
-            <a:r>
-              <a:rPr lang="en-US" sz="1400" dirty="0"/>
-              <a:t>    product = product * </a:t>
-            </a:r>
-            <a:r>
-              <a:rPr lang="en-US" sz="1400" dirty="0" err="1"/>
-              <a:t>num</a:t>
-            </a:r>
-            <a:r>
-              <a:rPr lang="en-US" sz="1400" dirty="0"/>
-              <a:t> ## every time thru loop, </a:t>
-            </a:r>
-            <a:r>
-              <a:rPr lang="en-US" sz="1400" dirty="0" err="1"/>
-              <a:t>mult</a:t>
-            </a:r>
-            <a:r>
-              <a:rPr lang="en-US" sz="1400" dirty="0"/>
-              <a:t> the next </a:t>
-            </a:r>
-            <a:r>
-              <a:rPr lang="en-US" sz="1400" dirty="0" err="1"/>
-              <a:t>int</a:t>
-            </a:r>
-            <a:r>
-              <a:rPr lang="en-US" sz="1400" dirty="0"/>
-              <a:t> into product</a:t>
-            </a:r>
-          </a:p>
-          <a:p>
-            <a:r>
-              <a:rPr lang="en-US" sz="1400" dirty="0"/>
-              <a:t>    print(product) ## print out current value of product</a:t>
+              <a:rPr lang="en-US" dirty="0" err="1"/>
+              <a:t>i</a:t>
+            </a:r>
+            <a:r>
+              <a:rPr lang="en-US" dirty="0"/>
+              <a:t> </a:t>
+            </a:r>
+            <a:r>
+              <a:rPr lang="en-US" b="1" dirty="0"/>
+              <a:t>in </a:t>
+            </a:r>
+            <a:r>
+              <a:rPr lang="en-US" dirty="0"/>
+              <a:t>range(30):</a:t>
+            </a:r>
+          </a:p>
+          <a:p>
+            <a:r>
+              <a:rPr lang="en-US" dirty="0"/>
+              <a:t>    </a:t>
+            </a:r>
+            <a:r>
+              <a:rPr lang="en-US" dirty="0" err="1"/>
+              <a:t>tess.stamp</a:t>
+            </a:r>
+            <a:r>
+              <a:rPr lang="en-US" dirty="0"/>
+              <a:t>() # Leave an impression on the canvas</a:t>
+            </a:r>
+          </a:p>
+          <a:p>
+            <a:r>
+              <a:rPr lang="en-US" dirty="0"/>
+              <a:t>    size = size + 3 # Increase the size on every iteration</a:t>
+            </a:r>
+          </a:p>
+          <a:p>
+            <a:r>
+              <a:rPr lang="en-US" dirty="0"/>
+              <a:t>   </a:t>
+            </a:r>
+            <a:r>
+              <a:rPr lang="en-US" dirty="0" err="1"/>
+              <a:t>tess.forward</a:t>
+            </a:r>
+            <a:r>
+              <a:rPr lang="en-US" dirty="0"/>
+              <a:t>(size) # Move </a:t>
+            </a:r>
+            <a:r>
+              <a:rPr lang="en-US" dirty="0" err="1"/>
+              <a:t>tess</a:t>
+            </a:r>
+            <a:r>
+              <a:rPr lang="en-US" dirty="0"/>
+              <a:t> along</a:t>
+            </a:r>
+          </a:p>
+          <a:p>
+            <a:r>
+              <a:rPr lang="en-US" dirty="0"/>
+              <a:t>   </a:t>
+            </a:r>
+            <a:r>
+              <a:rPr lang="en-US" dirty="0" err="1"/>
+              <a:t>tess.right</a:t>
+            </a:r>
+            <a:r>
+              <a:rPr lang="en-US" dirty="0"/>
+              <a:t>(24) # ... and turn her</a:t>
             </a:r>
           </a:p>
           <a:p>
             <a:endParaRPr lang="en-US" dirty="0"/>
           </a:p>
           <a:p>
-            <a:endParaRPr lang="en-US" dirty="0"/>
-          </a:p>
-          <a:p>
-            <a:endParaRPr lang="en-US" dirty="0"/>
-          </a:p>
-          <a:p>
-            <a:endParaRPr lang="en-US" dirty="0"/>
+            <a:r>
+              <a:rPr lang="en-US" dirty="0" err="1"/>
+              <a:t>wn.mainloop</a:t>
+            </a:r>
+            <a:r>
+              <a:rPr lang="en-US" dirty="0"/>
+              <a:t>()</a:t>
+            </a:r>
           </a:p>
           <a:p>
             <a:endParaRPr lang="en-US" dirty="0"/>
@@ -5044,7 +4933,7 @@
     </p:spTree>
     <p:extLst>
       <p:ext uri="{BB962C8B-B14F-4D97-AF65-F5344CB8AC3E}">
-        <p14:creationId xmlns:p14="http://schemas.microsoft.com/office/powerpoint/2010/main" val="3412164688"/>
+        <p14:creationId xmlns:p14="http://schemas.microsoft.com/office/powerpoint/2010/main" val="1319969287"/>
       </p:ext>
     </p:extLst>
   </p:cSld>
@@ -5079,8 +4968,8 @@
         </p:nvSpPr>
         <p:spPr>
           <a:xfrm>
-            <a:off x="1" y="790413"/>
-            <a:ext cx="6385302" cy="5078313"/>
+            <a:off x="108488" y="356461"/>
+            <a:ext cx="6171882" cy="7725192"/>
           </a:xfrm>
           <a:prstGeom prst="rect">
             <a:avLst/>
@@ -5088,6 +4977,332 @@
           <a:noFill/>
         </p:spPr>
         <p:txBody>
+          <a:bodyPr wrap="none" rtlCol="0">
+            <a:spAutoFit/>
+          </a:bodyPr>
+          <a:lstStyle/>
+          <a:p>
+            <a:r>
+              <a:rPr lang="en-US" sz="1400" dirty="0"/>
+              <a:t>##sumAcum.py</a:t>
+            </a:r>
+          </a:p>
+          <a:p>
+            <a:endParaRPr lang="en-US" sz="1400" dirty="0"/>
+          </a:p>
+          <a:p>
+            <a:r>
+              <a:rPr lang="en-US" sz="1400" dirty="0"/>
+              <a:t>print('First example:')</a:t>
+            </a:r>
+          </a:p>
+          <a:p>
+            <a:endParaRPr lang="en-US" sz="1400" dirty="0"/>
+          </a:p>
+          <a:p>
+            <a:r>
+              <a:rPr lang="en-US" sz="1400" dirty="0"/>
+              <a:t>Sum = 0 ## </a:t>
+            </a:r>
+            <a:r>
+              <a:rPr lang="en-US" sz="1400" dirty="0" err="1"/>
+              <a:t>init</a:t>
+            </a:r>
+            <a:r>
+              <a:rPr lang="en-US" sz="1400" dirty="0"/>
+              <a:t> sum accumulator to zero</a:t>
+            </a:r>
+          </a:p>
+          <a:p>
+            <a:r>
+              <a:rPr lang="en-US" sz="1400" dirty="0"/>
+              <a:t>for </a:t>
+            </a:r>
+            <a:r>
+              <a:rPr lang="en-US" sz="1400" dirty="0" err="1"/>
+              <a:t>num</a:t>
+            </a:r>
+            <a:r>
+              <a:rPr lang="en-US" sz="1400" dirty="0"/>
+              <a:t> in range(1,4):  ## </a:t>
+            </a:r>
+            <a:r>
+              <a:rPr lang="en-US" sz="1400" dirty="0" err="1"/>
+              <a:t>num</a:t>
+            </a:r>
+            <a:r>
+              <a:rPr lang="en-US" sz="1400" dirty="0"/>
+              <a:t> ranges from 1 to 3</a:t>
+            </a:r>
+          </a:p>
+          <a:p>
+            <a:r>
+              <a:rPr lang="en-US" sz="1400" dirty="0"/>
+              <a:t>    Sum = Sum + </a:t>
+            </a:r>
+            <a:r>
+              <a:rPr lang="en-US" sz="1400" dirty="0" err="1"/>
+              <a:t>num</a:t>
+            </a:r>
+            <a:r>
+              <a:rPr lang="en-US" sz="1400" dirty="0"/>
+              <a:t> ## every time thru loop, add the next </a:t>
+            </a:r>
+            <a:r>
+              <a:rPr lang="en-US" sz="1400" dirty="0" err="1"/>
+              <a:t>int</a:t>
+            </a:r>
+            <a:r>
+              <a:rPr lang="en-US" sz="1400" dirty="0"/>
+              <a:t> to Sum</a:t>
+            </a:r>
+          </a:p>
+          <a:p>
+            <a:r>
+              <a:rPr lang="en-US" sz="1400" dirty="0"/>
+              <a:t>    print(Sum) ## print out current value of Sum</a:t>
+            </a:r>
+          </a:p>
+          <a:p>
+            <a:endParaRPr lang="en-US" sz="1400" dirty="0"/>
+          </a:p>
+          <a:p>
+            <a:endParaRPr lang="en-US" sz="1400" dirty="0"/>
+          </a:p>
+          <a:p>
+            <a:r>
+              <a:rPr lang="en-US" sz="1400" dirty="0"/>
+              <a:t>print()  ## print out a blank line</a:t>
+            </a:r>
+          </a:p>
+          <a:p>
+            <a:r>
+              <a:rPr lang="en-US" sz="1400" dirty="0"/>
+              <a:t>print('Second example:')</a:t>
+            </a:r>
+          </a:p>
+          <a:p>
+            <a:endParaRPr lang="en-US" sz="1400" dirty="0"/>
+          </a:p>
+          <a:p>
+            <a:r>
+              <a:rPr lang="en-US" sz="1400" dirty="0"/>
+              <a:t>Sum1 = 0</a:t>
+            </a:r>
+          </a:p>
+          <a:p>
+            <a:r>
+              <a:rPr lang="en-US" sz="1400" dirty="0"/>
+              <a:t>for </a:t>
+            </a:r>
+            <a:r>
+              <a:rPr lang="en-US" sz="1400" dirty="0" err="1"/>
+              <a:t>num</a:t>
+            </a:r>
+            <a:r>
+              <a:rPr lang="en-US" sz="1400" dirty="0"/>
+              <a:t> in range(1,10,2): ## </a:t>
+            </a:r>
+            <a:r>
+              <a:rPr lang="en-US" sz="1400" dirty="0" err="1"/>
+              <a:t>num</a:t>
+            </a:r>
+            <a:r>
+              <a:rPr lang="en-US" sz="1400" dirty="0"/>
+              <a:t> range over 1,3,5,7,9</a:t>
+            </a:r>
+          </a:p>
+          <a:p>
+            <a:r>
+              <a:rPr lang="en-US" sz="1400" dirty="0"/>
+              <a:t>    Sum1 = Sum1 + </a:t>
+            </a:r>
+            <a:r>
+              <a:rPr lang="en-US" sz="1400" dirty="0" err="1"/>
+              <a:t>num</a:t>
+            </a:r>
+            <a:r>
+              <a:rPr lang="en-US" sz="1400" dirty="0"/>
+              <a:t> ## every time thru loop, add the next </a:t>
+            </a:r>
+            <a:r>
+              <a:rPr lang="en-US" sz="1400" dirty="0" err="1"/>
+              <a:t>int</a:t>
+            </a:r>
+            <a:r>
+              <a:rPr lang="en-US" sz="1400" dirty="0"/>
+              <a:t> to Sum</a:t>
+            </a:r>
+          </a:p>
+          <a:p>
+            <a:r>
+              <a:rPr lang="en-US" sz="1400" dirty="0"/>
+              <a:t>    print(Sum1) ## print out current value of Sum</a:t>
+            </a:r>
+          </a:p>
+          <a:p>
+            <a:endParaRPr lang="en-US" sz="1400" dirty="0"/>
+          </a:p>
+          <a:p>
+            <a:endParaRPr lang="en-US" sz="1400" dirty="0"/>
+          </a:p>
+          <a:p>
+            <a:endParaRPr lang="en-US" sz="1400" dirty="0"/>
+          </a:p>
+          <a:p>
+            <a:endParaRPr lang="en-US" sz="1400" dirty="0"/>
+          </a:p>
+          <a:p>
+            <a:endParaRPr lang="en-US" sz="1400" dirty="0"/>
+          </a:p>
+          <a:p>
+            <a:endParaRPr lang="en-US" sz="1400" dirty="0"/>
+          </a:p>
+          <a:p>
+            <a:r>
+              <a:rPr lang="en-US" sz="1400" dirty="0"/>
+              <a:t>## prodAcum.py</a:t>
+            </a:r>
+          </a:p>
+          <a:p>
+            <a:endParaRPr lang="en-US" sz="1400" dirty="0"/>
+          </a:p>
+          <a:p>
+            <a:r>
+              <a:rPr lang="en-US" sz="1400" dirty="0"/>
+              <a:t>product = 1 ## </a:t>
+            </a:r>
+            <a:r>
+              <a:rPr lang="en-US" sz="1400" dirty="0" err="1"/>
+              <a:t>init</a:t>
+            </a:r>
+            <a:r>
+              <a:rPr lang="en-US" sz="1400" dirty="0"/>
+              <a:t> product accumulator to one</a:t>
+            </a:r>
+          </a:p>
+          <a:p>
+            <a:r>
+              <a:rPr lang="en-US" sz="1400" dirty="0"/>
+              <a:t>for </a:t>
+            </a:r>
+            <a:r>
+              <a:rPr lang="en-US" sz="1400" dirty="0" err="1"/>
+              <a:t>num</a:t>
+            </a:r>
+            <a:r>
+              <a:rPr lang="en-US" sz="1400" dirty="0"/>
+              <a:t> in range(1,4):  ## </a:t>
+            </a:r>
+            <a:r>
+              <a:rPr lang="en-US" sz="1400" dirty="0" err="1"/>
+              <a:t>num</a:t>
+            </a:r>
+            <a:r>
+              <a:rPr lang="en-US" sz="1400" dirty="0"/>
+              <a:t> ranges from 1 to 3</a:t>
+            </a:r>
+          </a:p>
+          <a:p>
+            <a:r>
+              <a:rPr lang="en-US" sz="1400" dirty="0"/>
+              <a:t>    product = product * </a:t>
+            </a:r>
+            <a:r>
+              <a:rPr lang="en-US" sz="1400" dirty="0" err="1"/>
+              <a:t>num</a:t>
+            </a:r>
+            <a:r>
+              <a:rPr lang="en-US" sz="1400" dirty="0"/>
+              <a:t> ## every time thru loop, </a:t>
+            </a:r>
+            <a:r>
+              <a:rPr lang="en-US" sz="1400" dirty="0" err="1"/>
+              <a:t>mult</a:t>
+            </a:r>
+            <a:r>
+              <a:rPr lang="en-US" sz="1400" dirty="0"/>
+              <a:t> the next </a:t>
+            </a:r>
+            <a:r>
+              <a:rPr lang="en-US" sz="1400" dirty="0" err="1"/>
+              <a:t>int</a:t>
+            </a:r>
+            <a:r>
+              <a:rPr lang="en-US" sz="1400" dirty="0"/>
+              <a:t> into product</a:t>
+            </a:r>
+          </a:p>
+          <a:p>
+            <a:r>
+              <a:rPr lang="en-US" sz="1400" dirty="0"/>
+              <a:t>    print(product) ## print out current value of product</a:t>
+            </a:r>
+          </a:p>
+          <a:p>
+            <a:endParaRPr lang="en-US" dirty="0"/>
+          </a:p>
+          <a:p>
+            <a:endParaRPr lang="en-US" dirty="0"/>
+          </a:p>
+          <a:p>
+            <a:endParaRPr lang="en-US" dirty="0"/>
+          </a:p>
+          <a:p>
+            <a:endParaRPr lang="en-US" dirty="0"/>
+          </a:p>
+          <a:p>
+            <a:endParaRPr lang="en-US" dirty="0"/>
+          </a:p>
+        </p:txBody>
+      </p:sp>
+    </p:spTree>
+    <p:extLst>
+      <p:ext uri="{BB962C8B-B14F-4D97-AF65-F5344CB8AC3E}">
+        <p14:creationId xmlns:p14="http://schemas.microsoft.com/office/powerpoint/2010/main" val="3412164688"/>
+      </p:ext>
+    </p:extLst>
+  </p:cSld>
+  <p:clrMapOvr>
+    <a:masterClrMapping/>
+  </p:clrMapOvr>
+</p:sld>
+</file>
+
+<file path=ppt/slides/slide23.xml><?xml version="1.0" encoding="utf-8"?>
+<p:sld xmlns:a="http://schemas.openxmlformats.org/drawingml/2006/main" xmlns:r="http://schemas.openxmlformats.org/officeDocument/2006/relationships" xmlns:p="http://schemas.openxmlformats.org/presentationml/2006/main">
+  <p:cSld>
+    <p:spTree>
+      <p:nvGrpSpPr>
+        <p:cNvPr id="1" name=""/>
+        <p:cNvGrpSpPr/>
+        <p:nvPr/>
+      </p:nvGrpSpPr>
+      <p:grpSpPr>
+        <a:xfrm>
+          <a:off x="0" y="0"/>
+          <a:ext cx="0" cy="0"/>
+          <a:chOff x="0" y="0"/>
+          <a:chExt cx="0" cy="0"/>
+        </a:xfrm>
+      </p:grpSpPr>
+      <p:sp>
+        <p:nvSpPr>
+          <p:cNvPr id="2" name="TextBox 1"/>
+          <p:cNvSpPr txBox="1"/>
+          <p:nvPr/>
+        </p:nvSpPr>
+        <p:spPr>
+          <a:xfrm>
+            <a:off x="0" y="0"/>
+            <a:ext cx="6858000" cy="5632311"/>
+          </a:xfrm>
+          <a:prstGeom prst="rect">
+            <a:avLst/>
+          </a:prstGeom>
+          <a:noFill/>
+        </p:spPr>
+        <p:txBody>
           <a:bodyPr wrap="square" rtlCol="0">
             <a:spAutoFit/>
           </a:bodyPr>
@@ -5100,12 +5315,8 @@
           </a:p>
           <a:p>
             <a:r>
-              <a:rPr lang="en-US" dirty="0" err="1"/>
-              <a:t>Ws</a:t>
-            </a:r>
-            <a:r>
-              <a:rPr lang="en-US" dirty="0"/>
-              <a:t> ch3_5</a:t>
+              <a:rPr lang="en-US" dirty="0"/>
+              <a:t>WS ch3_5</a:t>
             </a:r>
           </a:p>
           <a:p>
@@ -5129,64 +5340,160 @@
             </a:r>
           </a:p>
           <a:p>
+            <a:r>
+              <a:rPr lang="en-US" dirty="0" err="1"/>
+              <a:t>sum_accumulator</a:t>
+            </a:r>
+            <a:r>
+              <a:rPr lang="en-US" dirty="0"/>
+              <a:t> = 0</a:t>
+            </a:r>
+          </a:p>
+          <a:p>
+            <a:r>
+              <a:rPr lang="en-US" dirty="0"/>
+              <a:t>for </a:t>
+            </a:r>
+            <a:r>
+              <a:rPr lang="en-US" dirty="0" err="1"/>
+              <a:t>i</a:t>
+            </a:r>
+            <a:r>
+              <a:rPr lang="en-US" dirty="0"/>
+              <a:t> in range(1, 11):</a:t>
+            </a:r>
+          </a:p>
+          <a:p>
+            <a:r>
+              <a:rPr lang="en-US" dirty="0"/>
+              <a:t>    </a:t>
+            </a:r>
+            <a:r>
+              <a:rPr lang="en-US" dirty="0" err="1"/>
+              <a:t>sum_accumulator</a:t>
+            </a:r>
+            <a:r>
+              <a:rPr lang="en-US" dirty="0"/>
+              <a:t> += </a:t>
+            </a:r>
+            <a:r>
+              <a:rPr lang="en-US" dirty="0" err="1"/>
+              <a:t>i</a:t>
+            </a:r>
             <a:endParaRPr lang="en-US" dirty="0"/>
           </a:p>
           <a:p>
+            <a:r>
+              <a:rPr lang="en-US" dirty="0"/>
+              <a:t>    print(</a:t>
+            </a:r>
+            <a:r>
+              <a:rPr lang="en-US" dirty="0" err="1"/>
+              <a:t>sum_accumulator</a:t>
+            </a:r>
+            <a:r>
+              <a:rPr lang="en-US" dirty="0"/>
+              <a:t>)</a:t>
+            </a:r>
+          </a:p>
+          <a:p>
             <a:endParaRPr lang="en-US" dirty="0"/>
           </a:p>
           <a:p>
+            <a:r>
+              <a:rPr lang="en-US" dirty="0"/>
+              <a:t>************************************************</a:t>
+            </a:r>
+          </a:p>
+          <a:p>
+            <a:r>
+              <a:rPr lang="en-US" dirty="0"/>
+              <a:t>WS </a:t>
+            </a:r>
+            <a:r>
+              <a:rPr lang="en-US" dirty="0" err="1"/>
+              <a:t>ch</a:t>
+            </a:r>
+            <a:r>
+              <a:rPr lang="en-US" dirty="0"/>
+              <a:t> 3_6</a:t>
+            </a:r>
+          </a:p>
+          <a:p>
+            <a:r>
+              <a:rPr lang="en-US" dirty="0"/>
+              <a:t>Initialize a product accumulator to 1, then use a for loop &amp; a range statement to multiply the </a:t>
+            </a:r>
+            <a:r>
+              <a:rPr lang="en-US" dirty="0" err="1"/>
+              <a:t>ints</a:t>
+            </a:r>
+            <a:r>
+              <a:rPr lang="en-US" dirty="0"/>
+              <a:t> from 1 to 5.</a:t>
+            </a:r>
+          </a:p>
+          <a:p>
+            <a:r>
+              <a:rPr lang="en-US" dirty="0"/>
+              <a:t>************************************************</a:t>
+            </a:r>
+          </a:p>
+          <a:p>
+            <a:r>
+              <a:rPr lang="en-US" dirty="0" err="1"/>
+              <a:t>prod_accumulator</a:t>
+            </a:r>
+            <a:r>
+              <a:rPr lang="en-US" dirty="0"/>
+              <a:t> = 1</a:t>
+            </a:r>
+          </a:p>
+          <a:p>
+            <a:r>
+              <a:rPr lang="en-US" dirty="0"/>
+              <a:t>for </a:t>
+            </a:r>
+            <a:r>
+              <a:rPr lang="en-US" dirty="0" err="1"/>
+              <a:t>i</a:t>
+            </a:r>
+            <a:r>
+              <a:rPr lang="en-US" dirty="0"/>
+              <a:t> in range(1, 6):</a:t>
+            </a:r>
+          </a:p>
+          <a:p>
+            <a:r>
+              <a:rPr lang="en-US" dirty="0"/>
+              <a:t>    </a:t>
+            </a:r>
+            <a:r>
+              <a:rPr lang="en-US" dirty="0" err="1"/>
+              <a:t>prod_accumulator</a:t>
+            </a:r>
+            <a:r>
+              <a:rPr lang="en-US" dirty="0"/>
+              <a:t> *= </a:t>
+            </a:r>
+            <a:r>
+              <a:rPr lang="en-US" dirty="0" err="1"/>
+              <a:t>i</a:t>
+            </a:r>
             <a:endParaRPr lang="en-US" dirty="0"/>
           </a:p>
           <a:p>
-            <a:endParaRPr lang="en-US" dirty="0"/>
-          </a:p>
-          <a:p>
-            <a:endParaRPr lang="en-US" dirty="0"/>
-          </a:p>
-          <a:p>
-            <a:endParaRPr lang="en-US" dirty="0"/>
-          </a:p>
-          <a:p>
-            <a:endParaRPr lang="en-US" dirty="0"/>
-          </a:p>
-          <a:p>
-            <a:r>
-              <a:rPr lang="en-US" dirty="0"/>
-              <a:t>************************************************</a:t>
-            </a:r>
-          </a:p>
-          <a:p>
-            <a:r>
-              <a:rPr lang="en-US" dirty="0"/>
-              <a:t>WS </a:t>
-            </a:r>
-            <a:r>
-              <a:rPr lang="en-US" dirty="0" err="1"/>
-              <a:t>ch</a:t>
-            </a:r>
-            <a:r>
-              <a:rPr lang="en-US" dirty="0"/>
-              <a:t> 3_6</a:t>
-            </a:r>
-          </a:p>
-          <a:p>
-            <a:r>
-              <a:rPr lang="en-US" dirty="0"/>
-              <a:t>Initialize a product accumulator to 1, then use a for loop &amp; a range statement to multiply the </a:t>
-            </a:r>
-            <a:r>
-              <a:rPr lang="en-US" dirty="0" err="1"/>
-              <a:t>ints</a:t>
-            </a:r>
-            <a:r>
-              <a:rPr lang="en-US" dirty="0"/>
-              <a:t> from 1 to 5.</a:t>
-            </a:r>
-          </a:p>
-          <a:p>
-            <a:r>
-              <a:rPr lang="en-US" dirty="0"/>
-              <a:t>************************************************</a:t>
+            <a:r>
+              <a:rPr lang="en-US" dirty="0"/>
+              <a:t>    print(</a:t>
+            </a:r>
+            <a:r>
+              <a:rPr lang="en-US" dirty="0" err="1"/>
+              <a:t>prod_accumulator</a:t>
+            </a:r>
+            <a:r>
+              <a:rPr lang="en-US" dirty="0"/>
+              <a:t>)</a:t>
             </a:r>
           </a:p>
           <a:p>
@@ -5207,7 +5514,7 @@
 </p:sld>
 </file>
 
-<file path=ppt/slides/slide23.xml><?xml version="1.0" encoding="utf-8"?>
+<file path=ppt/slides/slide24.xml><?xml version="1.0" encoding="utf-8"?>
 <p:sld xmlns:a="http://schemas.openxmlformats.org/drawingml/2006/main" xmlns:r="http://schemas.openxmlformats.org/officeDocument/2006/relationships" xmlns:p="http://schemas.openxmlformats.org/presentationml/2006/main">
   <p:cSld>
     <p:spTree>
@@ -5278,7 +5585,7 @@
 </p:sld>
 </file>
 
-<file path=ppt/slides/slide24.xml><?xml version="1.0" encoding="utf-8"?>
+<file path=ppt/slides/slide25.xml><?xml version="1.0" encoding="utf-8"?>
 <p:sld xmlns:a="http://schemas.openxmlformats.org/drawingml/2006/main" xmlns:r="http://schemas.openxmlformats.org/officeDocument/2006/relationships" xmlns:p="http://schemas.openxmlformats.org/presentationml/2006/main">
   <p:cSld>
     <p:spTree>
@@ -5349,7 +5656,7 @@
 </p:sld>
 </file>
 
-<file path=ppt/slides/slide25.xml><?xml version="1.0" encoding="utf-8"?>
+<file path=ppt/slides/slide26.xml><?xml version="1.0" encoding="utf-8"?>
 <p:sld xmlns:a="http://schemas.openxmlformats.org/drawingml/2006/main" xmlns:r="http://schemas.openxmlformats.org/officeDocument/2006/relationships" xmlns:p="http://schemas.openxmlformats.org/presentationml/2006/main">
   <p:cSld>
     <p:spTree>
@@ -5420,7 +5727,7 @@
 </p:sld>
 </file>
 
-<file path=ppt/slides/slide26.xml><?xml version="1.0" encoding="utf-8"?>
+<file path=ppt/slides/slide27.xml><?xml version="1.0" encoding="utf-8"?>
 <p:sld xmlns:a="http://schemas.openxmlformats.org/drawingml/2006/main" xmlns:r="http://schemas.openxmlformats.org/officeDocument/2006/relationships" xmlns:p="http://schemas.openxmlformats.org/presentationml/2006/main">
   <p:cSld>
     <p:spTree>
@@ -5918,8 +6225,8 @@
         </p:nvSpPr>
         <p:spPr>
           <a:xfrm>
-            <a:off x="1" y="0"/>
-            <a:ext cx="6400800" cy="8956298"/>
+            <a:off x="0" y="0"/>
+            <a:ext cx="6857999" cy="7017306"/>
           </a:xfrm>
           <a:prstGeom prst="rect">
             <a:avLst/>
@@ -5988,16 +6295,62 @@
             </a:r>
           </a:p>
           <a:p>
+            <a:r>
+              <a:rPr lang="en-US" dirty="0"/>
+              <a:t>Import turtle</a:t>
+            </a:r>
+          </a:p>
+          <a:p>
+            <a:r>
+              <a:rPr lang="en-US" dirty="0" err="1"/>
+              <a:t>bg</a:t>
+            </a:r>
+            <a:r>
+              <a:rPr lang="en-US" dirty="0"/>
+              <a:t> = input(“What color would you like the background.”)</a:t>
+            </a:r>
+          </a:p>
+          <a:p>
             <a:endParaRPr lang="en-US" dirty="0"/>
           </a:p>
           <a:p>
+            <a:r>
+              <a:rPr lang="en-US" dirty="0" err="1"/>
+              <a:t>wn</a:t>
+            </a:r>
+            <a:r>
+              <a:rPr lang="en-US" dirty="0"/>
+              <a:t> = </a:t>
+            </a:r>
+            <a:r>
+              <a:rPr lang="en-US" dirty="0" err="1"/>
+              <a:t>turtle.Screen</a:t>
+            </a:r>
+            <a:r>
+              <a:rPr lang="en-US" dirty="0"/>
+              <a:t>()</a:t>
+            </a:r>
+          </a:p>
+          <a:p>
             <a:endParaRPr lang="en-US" dirty="0"/>
           </a:p>
           <a:p>
-            <a:endParaRPr lang="en-US" dirty="0"/>
-          </a:p>
-          <a:p>
-            <a:endParaRPr lang="en-US" dirty="0"/>
+            <a:r>
+              <a:rPr lang="en-US" dirty="0" err="1"/>
+              <a:t>wn.bgcolor</a:t>
+            </a:r>
+            <a:r>
+              <a:rPr lang="en-US" dirty="0"/>
+              <a:t>(</a:t>
+            </a:r>
+            <a:r>
+              <a:rPr lang="en-US" dirty="0" err="1"/>
+              <a:t>bg</a:t>
+            </a:r>
+            <a:r>
+              <a:rPr lang="en-US" dirty="0"/>
+              <a:t>)</a:t>
+            </a:r>
           </a:p>
           <a:p>
             <a:r>
@@ -6032,91 +6385,49 @@
             </a:r>
           </a:p>
           <a:p>
-            <a:endParaRPr lang="en-US" dirty="0"/>
-          </a:p>
-          <a:p>
-            <a:endParaRPr lang="en-US" dirty="0"/>
-          </a:p>
-          <a:p>
-            <a:endParaRPr lang="en-US" dirty="0"/>
-          </a:p>
-          <a:p>
-            <a:endParaRPr lang="en-US" dirty="0"/>
-          </a:p>
-          <a:p>
-            <a:r>
-              <a:rPr lang="en-US" dirty="0"/>
-              <a:t>******************************************************</a:t>
-            </a:r>
-          </a:p>
-          <a:p>
-            <a:r>
-              <a:rPr lang="en-US" dirty="0"/>
-              <a:t>WS ch3_3:</a:t>
-            </a:r>
-          </a:p>
-          <a:p>
-            <a:r>
-              <a:rPr lang="en-US" dirty="0"/>
-              <a:t>Do the same for the width of </a:t>
-            </a:r>
-            <a:r>
-              <a:rPr lang="en-US" dirty="0" err="1"/>
-              <a:t>tess‘</a:t>
-            </a:r>
-            <a:r>
-              <a:rPr lang="en-US" dirty="0"/>
-              <a:t> pen. Hint: your dialog with the user will return a</a:t>
-            </a:r>
-          </a:p>
-          <a:p>
-            <a:r>
-              <a:rPr lang="en-US" dirty="0"/>
-              <a:t>string, but </a:t>
-            </a:r>
-            <a:r>
-              <a:rPr lang="en-US" dirty="0" err="1"/>
-              <a:t>tess‘</a:t>
-            </a:r>
-            <a:r>
-              <a:rPr lang="en-US" dirty="0"/>
-              <a:t> </a:t>
-            </a:r>
-            <a:r>
-              <a:rPr lang="en-US" dirty="0" err="1"/>
-              <a:t>pensize</a:t>
-            </a:r>
-            <a:r>
-              <a:rPr lang="en-US" dirty="0"/>
-              <a:t> method expects its argument to be an int. So you’ll need to</a:t>
-            </a:r>
-          </a:p>
-          <a:p>
-            <a:r>
-              <a:rPr lang="en-US" dirty="0"/>
-              <a:t>convert the string to an </a:t>
-            </a:r>
-            <a:r>
-              <a:rPr lang="en-US" dirty="0" err="1"/>
-              <a:t>int</a:t>
-            </a:r>
-            <a:r>
-              <a:rPr lang="en-US" dirty="0"/>
-              <a:t> before you pass it to </a:t>
-            </a:r>
-            <a:r>
-              <a:rPr lang="en-US" dirty="0" err="1"/>
-              <a:t>pensize</a:t>
-            </a:r>
-            <a:r>
-              <a:rPr lang="en-US" dirty="0"/>
-              <a:t>.</a:t>
-            </a:r>
-          </a:p>
-          <a:p>
-            <a:r>
-              <a:rPr lang="en-US" dirty="0"/>
-              <a:t>***************************************************</a:t>
+            <a:r>
+              <a:rPr lang="en-US" dirty="0" err="1"/>
+              <a:t>tc</a:t>
+            </a:r>
+            <a:r>
+              <a:rPr lang="en-US" dirty="0"/>
+              <a:t> = input("What color would you like the turtle to be?")</a:t>
+            </a:r>
+          </a:p>
+          <a:p>
+            <a:r>
+              <a:rPr lang="en-US" dirty="0" err="1"/>
+              <a:t>alex</a:t>
+            </a:r>
+            <a:r>
+              <a:rPr lang="en-US" dirty="0"/>
+              <a:t> = </a:t>
+            </a:r>
+            <a:r>
+              <a:rPr lang="en-US" dirty="0" err="1"/>
+              <a:t>turtle.Turtle</a:t>
+            </a:r>
+            <a:r>
+              <a:rPr lang="en-US" dirty="0"/>
+              <a:t>()</a:t>
+            </a:r>
+          </a:p>
+          <a:p>
+            <a:r>
+              <a:rPr lang="en-US" dirty="0" err="1"/>
+              <a:t>alex.color</a:t>
+            </a:r>
+            <a:r>
+              <a:rPr lang="en-US" dirty="0"/>
+              <a:t>(</a:t>
+            </a:r>
+            <a:r>
+              <a:rPr lang="en-US" dirty="0" err="1"/>
+              <a:t>tc</a:t>
+            </a:r>
+            <a:r>
+              <a:rPr lang="en-US" dirty="0"/>
+              <a:t>)</a:t>
             </a:r>
           </a:p>
         </p:txBody>
@@ -6135,6 +6446,227 @@
 </file>
 
 <file path=ppt/slides/slide7.xml><?xml version="1.0" encoding="utf-8"?>
+<p:sld xmlns:a="http://schemas.openxmlformats.org/drawingml/2006/main" xmlns:r="http://schemas.openxmlformats.org/officeDocument/2006/relationships" xmlns:p="http://schemas.openxmlformats.org/presentationml/2006/main">
+  <p:cSld>
+    <p:spTree>
+      <p:nvGrpSpPr>
+        <p:cNvPr id="1" name=""/>
+        <p:cNvGrpSpPr/>
+        <p:nvPr/>
+      </p:nvGrpSpPr>
+      <p:grpSpPr>
+        <a:xfrm>
+          <a:off x="0" y="0"/>
+          <a:ext cx="0" cy="0"/>
+          <a:chOff x="0" y="0"/>
+          <a:chExt cx="0" cy="0"/>
+        </a:xfrm>
+      </p:grpSpPr>
+      <p:sp>
+        <p:nvSpPr>
+          <p:cNvPr id="3" name="Content Placeholder 2">
+            <a:extLst>
+              <a:ext uri="{FF2B5EF4-FFF2-40B4-BE49-F238E27FC236}">
+                <a16:creationId xmlns:a16="http://schemas.microsoft.com/office/drawing/2014/main" id="{0367E2E3-31EB-463F-9200-09E77F6BBB81}"/>
+              </a:ext>
+            </a:extLst>
+          </p:cNvPr>
+          <p:cNvSpPr>
+            <a:spLocks noGrp="1"/>
+          </p:cNvSpPr>
+          <p:nvPr>
+            <p:ph idx="1"/>
+          </p:nvPr>
+        </p:nvSpPr>
+        <p:spPr>
+          <a:xfrm>
+            <a:off x="0" y="-1"/>
+            <a:ext cx="6858000" cy="6188149"/>
+          </a:xfrm>
+        </p:spPr>
+        <p:txBody>
+          <a:bodyPr>
+            <a:normAutofit/>
+          </a:bodyPr>
+          <a:lstStyle/>
+          <a:p>
+            <a:pPr marL="0" indent="0">
+              <a:buNone/>
+            </a:pPr>
+            <a:r>
+              <a:rPr lang="en-US" dirty="0"/>
+              <a:t>**************************************************</a:t>
+            </a:r>
+          </a:p>
+          <a:p>
+            <a:pPr marL="0" indent="0">
+              <a:buNone/>
+            </a:pPr>
+            <a:r>
+              <a:rPr lang="en-US" dirty="0"/>
+              <a:t>WS ch3_3:</a:t>
+            </a:r>
+          </a:p>
+          <a:p>
+            <a:pPr marL="0" indent="0">
+              <a:buNone/>
+            </a:pPr>
+            <a:r>
+              <a:rPr lang="en-US" dirty="0"/>
+              <a:t>Do the same for the width of </a:t>
+            </a:r>
+            <a:r>
+              <a:rPr lang="en-US" dirty="0" err="1"/>
+              <a:t>tess‘</a:t>
+            </a:r>
+            <a:r>
+              <a:rPr lang="en-US" dirty="0"/>
+              <a:t> pen. Hint: your dialog with the user will return a</a:t>
+            </a:r>
+          </a:p>
+          <a:p>
+            <a:pPr marL="0" indent="0">
+              <a:buNone/>
+            </a:pPr>
+            <a:r>
+              <a:rPr lang="en-US" dirty="0"/>
+              <a:t>string, but </a:t>
+            </a:r>
+            <a:r>
+              <a:rPr lang="en-US" dirty="0" err="1"/>
+              <a:t>tess‘</a:t>
+            </a:r>
+            <a:r>
+              <a:rPr lang="en-US" dirty="0"/>
+              <a:t> </a:t>
+            </a:r>
+            <a:r>
+              <a:rPr lang="en-US" dirty="0" err="1"/>
+              <a:t>pensize</a:t>
+            </a:r>
+            <a:r>
+              <a:rPr lang="en-US" dirty="0"/>
+              <a:t> method expects its argument to be an int. So you’ll need to</a:t>
+            </a:r>
+          </a:p>
+          <a:p>
+            <a:pPr marL="0" indent="0">
+              <a:buNone/>
+            </a:pPr>
+            <a:r>
+              <a:rPr lang="en-US" dirty="0"/>
+              <a:t>convert the string to an int before you pass it to </a:t>
+            </a:r>
+            <a:r>
+              <a:rPr lang="en-US" dirty="0" err="1"/>
+              <a:t>pensize</a:t>
+            </a:r>
+            <a:r>
+              <a:rPr lang="en-US" dirty="0"/>
+              <a:t>.</a:t>
+            </a:r>
+          </a:p>
+          <a:p>
+            <a:pPr marL="0" indent="0">
+              <a:buNone/>
+            </a:pPr>
+            <a:r>
+              <a:rPr lang="en-US" dirty="0"/>
+              <a:t>**************************************************</a:t>
+            </a:r>
+          </a:p>
+          <a:p>
+            <a:pPr marL="0" indent="0">
+              <a:buNone/>
+            </a:pPr>
+            <a:r>
+              <a:rPr lang="en-US" dirty="0" err="1"/>
+              <a:t>tc</a:t>
+            </a:r>
+            <a:r>
+              <a:rPr lang="en-US" dirty="0"/>
+              <a:t> = input("What color would you like the turtle to be?")</a:t>
+            </a:r>
+          </a:p>
+          <a:p>
+            <a:pPr marL="0" indent="0">
+              <a:buNone/>
+            </a:pPr>
+            <a:r>
+              <a:rPr lang="en-US" dirty="0" err="1"/>
+              <a:t>alex</a:t>
+            </a:r>
+            <a:r>
+              <a:rPr lang="en-US" dirty="0"/>
+              <a:t> = </a:t>
+            </a:r>
+            <a:r>
+              <a:rPr lang="en-US" dirty="0" err="1"/>
+              <a:t>turtle.Turtle</a:t>
+            </a:r>
+            <a:r>
+              <a:rPr lang="en-US" dirty="0"/>
+              <a:t>()</a:t>
+            </a:r>
+          </a:p>
+          <a:p>
+            <a:pPr marL="0" indent="0">
+              <a:buNone/>
+            </a:pPr>
+            <a:r>
+              <a:rPr lang="en-US" dirty="0" err="1"/>
+              <a:t>alex.pensize</a:t>
+            </a:r>
+            <a:r>
+              <a:rPr lang="en-US" dirty="0"/>
+              <a:t>(int(</a:t>
+            </a:r>
+            <a:r>
+              <a:rPr lang="en-US" dirty="0" err="1"/>
+              <a:t>ps</a:t>
+            </a:r>
+            <a:r>
+              <a:rPr lang="en-US" dirty="0"/>
+              <a:t>))</a:t>
+            </a:r>
+          </a:p>
+          <a:p>
+            <a:pPr marL="0" indent="0">
+              <a:buNone/>
+            </a:pPr>
+            <a:r>
+              <a:rPr lang="en-US" dirty="0" err="1"/>
+              <a:t>alex.color</a:t>
+            </a:r>
+            <a:r>
+              <a:rPr lang="en-US" dirty="0"/>
+              <a:t>(</a:t>
+            </a:r>
+            <a:r>
+              <a:rPr lang="en-US" dirty="0" err="1"/>
+              <a:t>tc</a:t>
+            </a:r>
+            <a:r>
+              <a:rPr lang="en-US" dirty="0"/>
+              <a:t>)</a:t>
+            </a:r>
+          </a:p>
+        </p:txBody>
+      </p:sp>
+    </p:spTree>
+    <p:extLst>
+      <p:ext uri="{BB962C8B-B14F-4D97-AF65-F5344CB8AC3E}">
+        <p14:creationId xmlns:p14="http://schemas.microsoft.com/office/powerpoint/2010/main" val="3752111428"/>
+      </p:ext>
+    </p:extLst>
+  </p:cSld>
+  <p:clrMapOvr>
+    <a:masterClrMapping/>
+  </p:clrMapOvr>
+</p:sld>
+</file>
+
+<file path=ppt/slides/slide8.xml><?xml version="1.0" encoding="utf-8"?>
 <p:sld xmlns:a="http://schemas.openxmlformats.org/drawingml/2006/main" xmlns:r="http://schemas.openxmlformats.org/officeDocument/2006/relationships" xmlns:p="http://schemas.openxmlformats.org/presentationml/2006/main">
   <p:cSld>
     <p:spTree>
@@ -6174,8 +6706,8 @@
         </p:blipFill>
         <p:spPr bwMode="auto">
           <a:xfrm>
-            <a:off x="140075" y="119466"/>
-            <a:ext cx="6623995" cy="7676182"/>
+            <a:off x="0" y="0"/>
+            <a:ext cx="6858000" cy="7947357"/>
           </a:xfrm>
           <a:prstGeom prst="rect">
             <a:avLst/>
@@ -6205,400 +6737,6 @@
 </p:sld>
 </file>
 
-<file path=ppt/slides/slide8.xml><?xml version="1.0" encoding="utf-8"?>
-<p:sld xmlns:a="http://schemas.openxmlformats.org/drawingml/2006/main" xmlns:r="http://schemas.openxmlformats.org/officeDocument/2006/relationships" xmlns:p="http://schemas.openxmlformats.org/presentationml/2006/main">
-  <p:cSld>
-    <p:spTree>
-      <p:nvGrpSpPr>
-        <p:cNvPr id="1" name=""/>
-        <p:cNvGrpSpPr/>
-        <p:nvPr/>
-      </p:nvGrpSpPr>
-      <p:grpSpPr>
-        <a:xfrm>
-          <a:off x="0" y="0"/>
-          <a:ext cx="0" cy="0"/>
-          <a:chOff x="0" y="0"/>
-          <a:chExt cx="0" cy="0"/>
-        </a:xfrm>
-      </p:grpSpPr>
-      <p:sp>
-        <p:nvSpPr>
-          <p:cNvPr id="2" name="TextBox 1"/>
-          <p:cNvSpPr txBox="1"/>
-          <p:nvPr/>
-        </p:nvSpPr>
-        <p:spPr>
-          <a:xfrm>
-            <a:off x="325465" y="309966"/>
-            <a:ext cx="5727465" cy="8679299"/>
-          </a:xfrm>
-          <a:prstGeom prst="rect">
-            <a:avLst/>
-          </a:prstGeom>
-          <a:noFill/>
-        </p:spPr>
-        <p:txBody>
-          <a:bodyPr wrap="none" rtlCol="0">
-            <a:spAutoFit/>
-          </a:bodyPr>
-          <a:lstStyle/>
-          <a:p>
-            <a:r>
-              <a:rPr lang="en-US" b="1" dirty="0"/>
-              <a:t>import turtle</a:t>
-            </a:r>
-          </a:p>
-          <a:p>
-            <a:r>
-              <a:rPr lang="en-US" dirty="0" err="1"/>
-              <a:t>wn</a:t>
-            </a:r>
-            <a:r>
-              <a:rPr lang="en-US" dirty="0"/>
-              <a:t> = </a:t>
-            </a:r>
-            <a:r>
-              <a:rPr lang="en-US" dirty="0" err="1"/>
-              <a:t>turtle.Screen</a:t>
-            </a:r>
-            <a:r>
-              <a:rPr lang="en-US" dirty="0"/>
-              <a:t>() # Set up the window and its attributes</a:t>
-            </a:r>
-          </a:p>
-          <a:p>
-            <a:r>
-              <a:rPr lang="en-US" dirty="0" err="1"/>
-              <a:t>wn.bgcolor</a:t>
-            </a:r>
-            <a:r>
-              <a:rPr lang="en-US" dirty="0"/>
-              <a:t>("</a:t>
-            </a:r>
-            <a:r>
-              <a:rPr lang="en-US" dirty="0" err="1"/>
-              <a:t>lightgreen</a:t>
-            </a:r>
-            <a:r>
-              <a:rPr lang="en-US" dirty="0"/>
-              <a:t>")</a:t>
-            </a:r>
-          </a:p>
-          <a:p>
-            <a:r>
-              <a:rPr lang="en-US" dirty="0" err="1"/>
-              <a:t>wn.title</a:t>
-            </a:r>
-            <a:r>
-              <a:rPr lang="en-US" dirty="0"/>
-              <a:t>("Tess &amp; Alex")</a:t>
-            </a:r>
-          </a:p>
-          <a:p>
-            <a:endParaRPr lang="en-US" dirty="0"/>
-          </a:p>
-          <a:p>
-            <a:r>
-              <a:rPr lang="en-US" dirty="0" err="1"/>
-              <a:t>tess</a:t>
-            </a:r>
-            <a:r>
-              <a:rPr lang="en-US" dirty="0"/>
-              <a:t> = </a:t>
-            </a:r>
-            <a:r>
-              <a:rPr lang="en-US" dirty="0" err="1"/>
-              <a:t>turtle.Turtle</a:t>
-            </a:r>
-            <a:r>
-              <a:rPr lang="en-US" dirty="0"/>
-              <a:t>() # Create </a:t>
-            </a:r>
-            <a:r>
-              <a:rPr lang="en-US" dirty="0" err="1"/>
-              <a:t>tess</a:t>
-            </a:r>
-            <a:r>
-              <a:rPr lang="en-US" dirty="0"/>
-              <a:t> and set some attributes</a:t>
-            </a:r>
-          </a:p>
-          <a:p>
-            <a:r>
-              <a:rPr lang="en-US" dirty="0" err="1"/>
-              <a:t>tess.color</a:t>
-            </a:r>
-            <a:r>
-              <a:rPr lang="en-US" dirty="0"/>
-              <a:t>("</a:t>
-            </a:r>
-            <a:r>
-              <a:rPr lang="en-US" dirty="0" err="1"/>
-              <a:t>hotpink</a:t>
-            </a:r>
-            <a:r>
-              <a:rPr lang="en-US" dirty="0"/>
-              <a:t>")</a:t>
-            </a:r>
-          </a:p>
-          <a:p>
-            <a:r>
-              <a:rPr lang="en-US" dirty="0" err="1"/>
-              <a:t>tess.pensize</a:t>
-            </a:r>
-            <a:r>
-              <a:rPr lang="en-US" dirty="0"/>
-              <a:t>(5)</a:t>
-            </a:r>
-          </a:p>
-          <a:p>
-            <a:endParaRPr lang="en-US" dirty="0"/>
-          </a:p>
-          <a:p>
-            <a:r>
-              <a:rPr lang="en-US" dirty="0" err="1"/>
-              <a:t>alex</a:t>
-            </a:r>
-            <a:r>
-              <a:rPr lang="en-US" dirty="0"/>
-              <a:t> = </a:t>
-            </a:r>
-            <a:r>
-              <a:rPr lang="en-US" dirty="0" err="1"/>
-              <a:t>turtle.Turtle</a:t>
-            </a:r>
-            <a:r>
-              <a:rPr lang="en-US" dirty="0"/>
-              <a:t>() # Create </a:t>
-            </a:r>
-            <a:r>
-              <a:rPr lang="en-US" dirty="0" err="1"/>
-              <a:t>alex</a:t>
-            </a:r>
-            <a:endParaRPr lang="en-US" dirty="0"/>
-          </a:p>
-          <a:p>
-            <a:endParaRPr lang="en-US" dirty="0"/>
-          </a:p>
-          <a:p>
-            <a:r>
-              <a:rPr lang="en-US" dirty="0" err="1"/>
-              <a:t>tess.forward</a:t>
-            </a:r>
-            <a:r>
-              <a:rPr lang="en-US" dirty="0"/>
-              <a:t>(80) # Make </a:t>
-            </a:r>
-            <a:r>
-              <a:rPr lang="en-US" dirty="0" err="1"/>
-              <a:t>tess</a:t>
-            </a:r>
-            <a:r>
-              <a:rPr lang="en-US" dirty="0"/>
-              <a:t> draw equilateral triangle</a:t>
-            </a:r>
-          </a:p>
-          <a:p>
-            <a:r>
-              <a:rPr lang="en-US" dirty="0" err="1"/>
-              <a:t>tess.left</a:t>
-            </a:r>
-            <a:r>
-              <a:rPr lang="en-US" dirty="0"/>
-              <a:t>(120)</a:t>
-            </a:r>
-          </a:p>
-          <a:p>
-            <a:r>
-              <a:rPr lang="en-US" dirty="0" err="1"/>
-              <a:t>tess.forward</a:t>
-            </a:r>
-            <a:r>
-              <a:rPr lang="en-US" dirty="0"/>
-              <a:t>(80)</a:t>
-            </a:r>
-          </a:p>
-          <a:p>
-            <a:r>
-              <a:rPr lang="en-US" dirty="0" err="1"/>
-              <a:t>tess.left</a:t>
-            </a:r>
-            <a:r>
-              <a:rPr lang="en-US" dirty="0"/>
-              <a:t>(120)</a:t>
-            </a:r>
-          </a:p>
-          <a:p>
-            <a:r>
-              <a:rPr lang="en-US" dirty="0" err="1"/>
-              <a:t>tess.forward</a:t>
-            </a:r>
-            <a:r>
-              <a:rPr lang="en-US" dirty="0"/>
-              <a:t>(80)</a:t>
-            </a:r>
-          </a:p>
-          <a:p>
-            <a:r>
-              <a:rPr lang="en-US" dirty="0" err="1"/>
-              <a:t>tess.left</a:t>
-            </a:r>
-            <a:r>
-              <a:rPr lang="en-US" dirty="0"/>
-              <a:t>(120) # Complete the triangle</a:t>
-            </a:r>
-          </a:p>
-          <a:p>
-            <a:endParaRPr lang="en-US" dirty="0"/>
-          </a:p>
-          <a:p>
-            <a:r>
-              <a:rPr lang="en-US" dirty="0" err="1"/>
-              <a:t>tess.right</a:t>
-            </a:r>
-            <a:r>
-              <a:rPr lang="en-US" dirty="0"/>
-              <a:t>(180) # Turn </a:t>
-            </a:r>
-            <a:r>
-              <a:rPr lang="en-US" dirty="0" err="1"/>
-              <a:t>tess</a:t>
-            </a:r>
-            <a:r>
-              <a:rPr lang="en-US" dirty="0"/>
-              <a:t> around</a:t>
-            </a:r>
-          </a:p>
-          <a:p>
-            <a:r>
-              <a:rPr lang="en-US" dirty="0" err="1"/>
-              <a:t>tess.forward</a:t>
-            </a:r>
-            <a:r>
-              <a:rPr lang="en-US" dirty="0"/>
-              <a:t>(80) # Move her away from the origin</a:t>
-            </a:r>
-          </a:p>
-          <a:p>
-            <a:endParaRPr lang="en-US" dirty="0"/>
-          </a:p>
-          <a:p>
-            <a:r>
-              <a:rPr lang="en-US" dirty="0" err="1"/>
-              <a:t>alex.forward</a:t>
-            </a:r>
-            <a:r>
-              <a:rPr lang="en-US" dirty="0"/>
-              <a:t>(50) # Make </a:t>
-            </a:r>
-            <a:r>
-              <a:rPr lang="en-US" dirty="0" err="1"/>
-              <a:t>alex</a:t>
-            </a:r>
-            <a:r>
-              <a:rPr lang="en-US" dirty="0"/>
-              <a:t> draw a square</a:t>
-            </a:r>
-          </a:p>
-          <a:p>
-            <a:r>
-              <a:rPr lang="en-US" dirty="0" err="1"/>
-              <a:t>alex.left</a:t>
-            </a:r>
-            <a:r>
-              <a:rPr lang="en-US" dirty="0"/>
-              <a:t>(90)</a:t>
-            </a:r>
-          </a:p>
-          <a:p>
-            <a:r>
-              <a:rPr lang="en-US" dirty="0" err="1"/>
-              <a:t>alex.forward</a:t>
-            </a:r>
-            <a:r>
-              <a:rPr lang="en-US" dirty="0"/>
-              <a:t>(50)</a:t>
-            </a:r>
-          </a:p>
-          <a:p>
-            <a:r>
-              <a:rPr lang="en-US" dirty="0" err="1"/>
-              <a:t>alex.left</a:t>
-            </a:r>
-            <a:r>
-              <a:rPr lang="en-US" dirty="0"/>
-              <a:t>(90)</a:t>
-            </a:r>
-          </a:p>
-          <a:p>
-            <a:r>
-              <a:rPr lang="en-US" dirty="0" err="1"/>
-              <a:t>alex.forward</a:t>
-            </a:r>
-            <a:r>
-              <a:rPr lang="en-US" dirty="0"/>
-              <a:t>(50)</a:t>
-            </a:r>
-          </a:p>
-          <a:p>
-            <a:r>
-              <a:rPr lang="en-US" dirty="0" err="1"/>
-              <a:t>alex.left</a:t>
-            </a:r>
-            <a:r>
-              <a:rPr lang="en-US" dirty="0"/>
-              <a:t>(90)</a:t>
-            </a:r>
-          </a:p>
-          <a:p>
-            <a:r>
-              <a:rPr lang="en-US" dirty="0" err="1"/>
-              <a:t>alex.forward</a:t>
-            </a:r>
-            <a:r>
-              <a:rPr lang="en-US" dirty="0"/>
-              <a:t>(50)</a:t>
-            </a:r>
-          </a:p>
-          <a:p>
-            <a:r>
-              <a:rPr lang="en-US" dirty="0" err="1"/>
-              <a:t>alex.left</a:t>
-            </a:r>
-            <a:r>
-              <a:rPr lang="en-US" dirty="0"/>
-              <a:t>(90)</a:t>
-            </a:r>
-          </a:p>
-          <a:p>
-            <a:endParaRPr lang="en-US" dirty="0"/>
-          </a:p>
-          <a:p>
-            <a:r>
-              <a:rPr lang="en-US" dirty="0" err="1"/>
-              <a:t>wn.mainloop</a:t>
-            </a:r>
-            <a:r>
-              <a:rPr lang="en-US" dirty="0"/>
-              <a:t>()</a:t>
-            </a:r>
-          </a:p>
-        </p:txBody>
-      </p:sp>
-    </p:spTree>
-    <p:extLst>
-      <p:ext uri="{BB962C8B-B14F-4D97-AF65-F5344CB8AC3E}">
-        <p14:creationId xmlns:p14="http://schemas.microsoft.com/office/powerpoint/2010/main" val="388600662"/>
-      </p:ext>
-    </p:extLst>
-  </p:cSld>
-  <p:clrMapOvr>
-    <a:masterClrMapping/>
-  </p:clrMapOvr>
-</p:sld>
-</file>
-
 <file path=ppt/slides/slide9.xml><?xml version="1.0" encoding="utf-8"?>
 <p:sld xmlns:a="http://schemas.openxmlformats.org/drawingml/2006/main" xmlns:r="http://schemas.openxmlformats.org/officeDocument/2006/relationships" xmlns:p="http://schemas.openxmlformats.org/presentationml/2006/main">
   <p:cSld>
@@ -6616,51 +6754,374 @@
           <a:chExt cx="0" cy="0"/>
         </a:xfrm>
       </p:grpSpPr>
-      <p:pic>
-        <p:nvPicPr>
-          <p:cNvPr id="5122" name="Picture 2" descr="C:\Users\cwellman\AppData\Roaming\PixelMetrics\CaptureWiz\Temp\45.png"/>
-          <p:cNvPicPr>
-            <a:picLocks noChangeAspect="1" noChangeArrowheads="1"/>
-          </p:cNvPicPr>
+      <p:sp>
+        <p:nvSpPr>
+          <p:cNvPr id="2" name="TextBox 1"/>
+          <p:cNvSpPr txBox="1"/>
           <p:nvPr/>
-        </p:nvPicPr>
-        <p:blipFill>
-          <a:blip r:embed="rId2">
-            <a:extLst>
-              <a:ext uri="{28A0092B-C50C-407E-A947-70E740481C1C}">
-                <a14:useLocalDpi xmlns:a14="http://schemas.microsoft.com/office/drawing/2010/main" val="0"/>
-              </a:ext>
-            </a:extLst>
-          </a:blip>
-          <a:srcRect/>
-          <a:stretch>
-            <a:fillRect/>
-          </a:stretch>
-        </p:blipFill>
-        <p:spPr bwMode="auto">
+        </p:nvSpPr>
+        <p:spPr>
           <a:xfrm>
-            <a:off x="140076" y="0"/>
-            <a:ext cx="5904263" cy="8850897"/>
+            <a:off x="325465" y="309966"/>
+            <a:ext cx="5727465" cy="8679299"/>
           </a:xfrm>
           <a:prstGeom prst="rect">
             <a:avLst/>
           </a:prstGeom>
           <a:noFill/>
-          <a:extLst>
-            <a:ext uri="{909E8E84-426E-40DD-AFC4-6F175D3DCCD1}">
-              <a14:hiddenFill xmlns:a14="http://schemas.microsoft.com/office/drawing/2010/main">
-                <a:solidFill>
-                  <a:srgbClr val="FFFFFF"/>
-                </a:solidFill>
-              </a14:hiddenFill>
-            </a:ext>
-          </a:extLst>
         </p:spPr>
-      </p:pic>
+        <p:txBody>
+          <a:bodyPr wrap="none" rtlCol="0">
+            <a:spAutoFit/>
+          </a:bodyPr>
+          <a:lstStyle/>
+          <a:p>
+            <a:r>
+              <a:rPr lang="en-US" b="1" dirty="0"/>
+              <a:t>import turtle</a:t>
+            </a:r>
+          </a:p>
+          <a:p>
+            <a:r>
+              <a:rPr lang="en-US" dirty="0" err="1"/>
+              <a:t>wn</a:t>
+            </a:r>
+            <a:r>
+              <a:rPr lang="en-US" dirty="0"/>
+              <a:t> = </a:t>
+            </a:r>
+            <a:r>
+              <a:rPr lang="en-US" dirty="0" err="1"/>
+              <a:t>turtle.Screen</a:t>
+            </a:r>
+            <a:r>
+              <a:rPr lang="en-US" dirty="0"/>
+              <a:t>() # Set up the window and its attributes</a:t>
+            </a:r>
+          </a:p>
+          <a:p>
+            <a:r>
+              <a:rPr lang="en-US" dirty="0" err="1"/>
+              <a:t>wn.bgcolor</a:t>
+            </a:r>
+            <a:r>
+              <a:rPr lang="en-US" dirty="0"/>
+              <a:t>("</a:t>
+            </a:r>
+            <a:r>
+              <a:rPr lang="en-US" dirty="0" err="1"/>
+              <a:t>lightgreen</a:t>
+            </a:r>
+            <a:r>
+              <a:rPr lang="en-US" dirty="0"/>
+              <a:t>")</a:t>
+            </a:r>
+          </a:p>
+          <a:p>
+            <a:r>
+              <a:rPr lang="en-US" dirty="0" err="1"/>
+              <a:t>wn.title</a:t>
+            </a:r>
+            <a:r>
+              <a:rPr lang="en-US" dirty="0"/>
+              <a:t>("Tess &amp; Alex")</a:t>
+            </a:r>
+          </a:p>
+          <a:p>
+            <a:endParaRPr lang="en-US" dirty="0"/>
+          </a:p>
+          <a:p>
+            <a:r>
+              <a:rPr lang="en-US" dirty="0" err="1"/>
+              <a:t>tess</a:t>
+            </a:r>
+            <a:r>
+              <a:rPr lang="en-US" dirty="0"/>
+              <a:t> = </a:t>
+            </a:r>
+            <a:r>
+              <a:rPr lang="en-US" dirty="0" err="1"/>
+              <a:t>turtle.Turtle</a:t>
+            </a:r>
+            <a:r>
+              <a:rPr lang="en-US" dirty="0"/>
+              <a:t>() # Create </a:t>
+            </a:r>
+            <a:r>
+              <a:rPr lang="en-US" dirty="0" err="1"/>
+              <a:t>tess</a:t>
+            </a:r>
+            <a:r>
+              <a:rPr lang="en-US" dirty="0"/>
+              <a:t> and set some attributes</a:t>
+            </a:r>
+          </a:p>
+          <a:p>
+            <a:r>
+              <a:rPr lang="en-US" dirty="0" err="1"/>
+              <a:t>tess.color</a:t>
+            </a:r>
+            <a:r>
+              <a:rPr lang="en-US" dirty="0"/>
+              <a:t>("</a:t>
+            </a:r>
+            <a:r>
+              <a:rPr lang="en-US" dirty="0" err="1"/>
+              <a:t>hotpink</a:t>
+            </a:r>
+            <a:r>
+              <a:rPr lang="en-US" dirty="0"/>
+              <a:t>")</a:t>
+            </a:r>
+          </a:p>
+          <a:p>
+            <a:r>
+              <a:rPr lang="en-US" dirty="0" err="1"/>
+              <a:t>tess.pensize</a:t>
+            </a:r>
+            <a:r>
+              <a:rPr lang="en-US" dirty="0"/>
+              <a:t>(5)</a:t>
+            </a:r>
+          </a:p>
+          <a:p>
+            <a:endParaRPr lang="en-US" dirty="0"/>
+          </a:p>
+          <a:p>
+            <a:r>
+              <a:rPr lang="en-US" dirty="0" err="1"/>
+              <a:t>alex</a:t>
+            </a:r>
+            <a:r>
+              <a:rPr lang="en-US" dirty="0"/>
+              <a:t> = </a:t>
+            </a:r>
+            <a:r>
+              <a:rPr lang="en-US" dirty="0" err="1"/>
+              <a:t>turtle.Turtle</a:t>
+            </a:r>
+            <a:r>
+              <a:rPr lang="en-US" dirty="0"/>
+              <a:t>() # Create </a:t>
+            </a:r>
+            <a:r>
+              <a:rPr lang="en-US" dirty="0" err="1"/>
+              <a:t>alex</a:t>
+            </a:r>
+            <a:endParaRPr lang="en-US" dirty="0"/>
+          </a:p>
+          <a:p>
+            <a:endParaRPr lang="en-US" dirty="0"/>
+          </a:p>
+          <a:p>
+            <a:r>
+              <a:rPr lang="en-US" dirty="0" err="1"/>
+              <a:t>tess.forward</a:t>
+            </a:r>
+            <a:r>
+              <a:rPr lang="en-US" dirty="0"/>
+              <a:t>(80) # Make </a:t>
+            </a:r>
+            <a:r>
+              <a:rPr lang="en-US" dirty="0" err="1"/>
+              <a:t>tess</a:t>
+            </a:r>
+            <a:r>
+              <a:rPr lang="en-US" dirty="0"/>
+              <a:t> draw equilateral triangle</a:t>
+            </a:r>
+          </a:p>
+          <a:p>
+            <a:r>
+              <a:rPr lang="en-US" dirty="0" err="1"/>
+              <a:t>tess.left</a:t>
+            </a:r>
+            <a:r>
+              <a:rPr lang="en-US" dirty="0"/>
+              <a:t>(120)</a:t>
+            </a:r>
+          </a:p>
+          <a:p>
+            <a:r>
+              <a:rPr lang="en-US" dirty="0" err="1"/>
+              <a:t>tess.forward</a:t>
+            </a:r>
+            <a:r>
+              <a:rPr lang="en-US" dirty="0"/>
+              <a:t>(80)</a:t>
+            </a:r>
+          </a:p>
+          <a:p>
+            <a:r>
+              <a:rPr lang="en-US" dirty="0" err="1"/>
+              <a:t>tess.left</a:t>
+            </a:r>
+            <a:r>
+              <a:rPr lang="en-US" dirty="0"/>
+              <a:t>(120)</a:t>
+            </a:r>
+          </a:p>
+          <a:p>
+            <a:r>
+              <a:rPr lang="en-US" dirty="0" err="1"/>
+              <a:t>tess.forward</a:t>
+            </a:r>
+            <a:r>
+              <a:rPr lang="en-US" dirty="0"/>
+              <a:t>(80)</a:t>
+            </a:r>
+          </a:p>
+          <a:p>
+            <a:r>
+              <a:rPr lang="en-US" dirty="0" err="1"/>
+              <a:t>tess.left</a:t>
+            </a:r>
+            <a:r>
+              <a:rPr lang="en-US" dirty="0"/>
+              <a:t>(120) # Complete the triangle</a:t>
+            </a:r>
+          </a:p>
+          <a:p>
+            <a:endParaRPr lang="en-US" dirty="0"/>
+          </a:p>
+          <a:p>
+            <a:r>
+              <a:rPr lang="en-US" dirty="0" err="1"/>
+              <a:t>tess.right</a:t>
+            </a:r>
+            <a:r>
+              <a:rPr lang="en-US" dirty="0"/>
+              <a:t>(180) # Turn </a:t>
+            </a:r>
+            <a:r>
+              <a:rPr lang="en-US" dirty="0" err="1"/>
+              <a:t>tess</a:t>
+            </a:r>
+            <a:r>
+              <a:rPr lang="en-US" dirty="0"/>
+              <a:t> around</a:t>
+            </a:r>
+          </a:p>
+          <a:p>
+            <a:r>
+              <a:rPr lang="en-US" dirty="0" err="1"/>
+              <a:t>tess.forward</a:t>
+            </a:r>
+            <a:r>
+              <a:rPr lang="en-US" dirty="0"/>
+              <a:t>(80) # Move her away from the origin</a:t>
+            </a:r>
+          </a:p>
+          <a:p>
+            <a:endParaRPr lang="en-US" dirty="0"/>
+          </a:p>
+          <a:p>
+            <a:r>
+              <a:rPr lang="en-US" dirty="0" err="1"/>
+              <a:t>alex.forward</a:t>
+            </a:r>
+            <a:r>
+              <a:rPr lang="en-US" dirty="0"/>
+              <a:t>(50) # Make </a:t>
+            </a:r>
+            <a:r>
+              <a:rPr lang="en-US" dirty="0" err="1"/>
+              <a:t>alex</a:t>
+            </a:r>
+            <a:r>
+              <a:rPr lang="en-US" dirty="0"/>
+              <a:t> draw a square</a:t>
+            </a:r>
+          </a:p>
+          <a:p>
+            <a:r>
+              <a:rPr lang="en-US" dirty="0" err="1"/>
+              <a:t>alex.left</a:t>
+            </a:r>
+            <a:r>
+              <a:rPr lang="en-US" dirty="0"/>
+              <a:t>(90)</a:t>
+            </a:r>
+          </a:p>
+          <a:p>
+            <a:r>
+              <a:rPr lang="en-US" dirty="0" err="1"/>
+              <a:t>alex.forward</a:t>
+            </a:r>
+            <a:r>
+              <a:rPr lang="en-US" dirty="0"/>
+              <a:t>(50)</a:t>
+            </a:r>
+          </a:p>
+          <a:p>
+            <a:r>
+              <a:rPr lang="en-US" dirty="0" err="1"/>
+              <a:t>alex.left</a:t>
+            </a:r>
+            <a:r>
+              <a:rPr lang="en-US" dirty="0"/>
+              <a:t>(90)</a:t>
+            </a:r>
+          </a:p>
+          <a:p>
+            <a:r>
+              <a:rPr lang="en-US" dirty="0" err="1"/>
+              <a:t>alex.forward</a:t>
+            </a:r>
+            <a:r>
+              <a:rPr lang="en-US" dirty="0"/>
+              <a:t>(50)</a:t>
+            </a:r>
+          </a:p>
+          <a:p>
+            <a:r>
+              <a:rPr lang="en-US" dirty="0" err="1"/>
+              <a:t>alex.left</a:t>
+            </a:r>
+            <a:r>
+              <a:rPr lang="en-US" dirty="0"/>
+              <a:t>(90)</a:t>
+            </a:r>
+          </a:p>
+          <a:p>
+            <a:r>
+              <a:rPr lang="en-US" dirty="0" err="1"/>
+              <a:t>alex.forward</a:t>
+            </a:r>
+            <a:r>
+              <a:rPr lang="en-US" dirty="0"/>
+              <a:t>(50)</a:t>
+            </a:r>
+          </a:p>
+          <a:p>
+            <a:r>
+              <a:rPr lang="en-US" dirty="0" err="1"/>
+              <a:t>alex.left</a:t>
+            </a:r>
+            <a:r>
+              <a:rPr lang="en-US" dirty="0"/>
+              <a:t>(90)</a:t>
+            </a:r>
+          </a:p>
+          <a:p>
+            <a:endParaRPr lang="en-US" dirty="0"/>
+          </a:p>
+          <a:p>
+            <a:r>
+              <a:rPr lang="en-US" dirty="0" err="1"/>
+              <a:t>wn.mainloop</a:t>
+            </a:r>
+            <a:r>
+              <a:rPr lang="en-US" dirty="0"/>
+              <a:t>()</a:t>
+            </a:r>
+          </a:p>
+        </p:txBody>
+      </p:sp>
     </p:spTree>
     <p:extLst>
       <p:ext uri="{BB962C8B-B14F-4D97-AF65-F5344CB8AC3E}">
-        <p14:creationId xmlns:p14="http://schemas.microsoft.com/office/powerpoint/2010/main" val="2494887405"/>
+        <p14:creationId xmlns:p14="http://schemas.microsoft.com/office/powerpoint/2010/main" val="388600662"/>
       </p:ext>
     </p:extLst>
   </p:cSld>
